--- a/교육상황.pptx
+++ b/교육상황.pptx
@@ -105,6 +105,11 @@
       </a:defRPr>
     </a:lvl9pPr>
   </p:defaultTextStyle>
+  <p:extLst>
+    <p:ext uri="{EFAFB233-063F-42B5-8137-9DF3F51BA10A}">
+      <p15:sldGuideLst xmlns:p15="http://schemas.microsoft.com/office/powerpoint/2012/main"/>
+    </p:ext>
+  </p:extLst>
 </p:presentation>
 </file>
 
@@ -255,7 +260,7 @@
           <a:p>
             <a:fld id="{7CDD5672-410E-4B8C-AC20-8F8FADD1AE2A}" type="datetimeFigureOut">
               <a:rPr lang="ko-KR" altLang="en-US" smtClean="0"/>
-              <a:t>2019-07-14</a:t>
+              <a:t>2019-07-28</a:t>
             </a:fld>
             <a:endParaRPr lang="ko-KR" altLang="en-US"/>
           </a:p>
@@ -453,7 +458,7 @@
           <a:p>
             <a:fld id="{7CDD5672-410E-4B8C-AC20-8F8FADD1AE2A}" type="datetimeFigureOut">
               <a:rPr lang="ko-KR" altLang="en-US" smtClean="0"/>
-              <a:t>2019-07-14</a:t>
+              <a:t>2019-07-28</a:t>
             </a:fld>
             <a:endParaRPr lang="ko-KR" altLang="en-US"/>
           </a:p>
@@ -661,7 +666,7 @@
           <a:p>
             <a:fld id="{7CDD5672-410E-4B8C-AC20-8F8FADD1AE2A}" type="datetimeFigureOut">
               <a:rPr lang="ko-KR" altLang="en-US" smtClean="0"/>
-              <a:t>2019-07-14</a:t>
+              <a:t>2019-07-28</a:t>
             </a:fld>
             <a:endParaRPr lang="ko-KR" altLang="en-US"/>
           </a:p>
@@ -859,7 +864,7 @@
           <a:p>
             <a:fld id="{7CDD5672-410E-4B8C-AC20-8F8FADD1AE2A}" type="datetimeFigureOut">
               <a:rPr lang="ko-KR" altLang="en-US" smtClean="0"/>
-              <a:t>2019-07-14</a:t>
+              <a:t>2019-07-28</a:t>
             </a:fld>
             <a:endParaRPr lang="ko-KR" altLang="en-US"/>
           </a:p>
@@ -1134,7 +1139,7 @@
           <a:p>
             <a:fld id="{7CDD5672-410E-4B8C-AC20-8F8FADD1AE2A}" type="datetimeFigureOut">
               <a:rPr lang="ko-KR" altLang="en-US" smtClean="0"/>
-              <a:t>2019-07-14</a:t>
+              <a:t>2019-07-28</a:t>
             </a:fld>
             <a:endParaRPr lang="ko-KR" altLang="en-US"/>
           </a:p>
@@ -1399,7 +1404,7 @@
           <a:p>
             <a:fld id="{7CDD5672-410E-4B8C-AC20-8F8FADD1AE2A}" type="datetimeFigureOut">
               <a:rPr lang="ko-KR" altLang="en-US" smtClean="0"/>
-              <a:t>2019-07-14</a:t>
+              <a:t>2019-07-28</a:t>
             </a:fld>
             <a:endParaRPr lang="ko-KR" altLang="en-US"/>
           </a:p>
@@ -1811,7 +1816,7 @@
           <a:p>
             <a:fld id="{7CDD5672-410E-4B8C-AC20-8F8FADD1AE2A}" type="datetimeFigureOut">
               <a:rPr lang="ko-KR" altLang="en-US" smtClean="0"/>
-              <a:t>2019-07-14</a:t>
+              <a:t>2019-07-28</a:t>
             </a:fld>
             <a:endParaRPr lang="ko-KR" altLang="en-US"/>
           </a:p>
@@ -1952,7 +1957,7 @@
           <a:p>
             <a:fld id="{7CDD5672-410E-4B8C-AC20-8F8FADD1AE2A}" type="datetimeFigureOut">
               <a:rPr lang="ko-KR" altLang="en-US" smtClean="0"/>
-              <a:t>2019-07-14</a:t>
+              <a:t>2019-07-28</a:t>
             </a:fld>
             <a:endParaRPr lang="ko-KR" altLang="en-US"/>
           </a:p>
@@ -2065,7 +2070,7 @@
           <a:p>
             <a:fld id="{7CDD5672-410E-4B8C-AC20-8F8FADD1AE2A}" type="datetimeFigureOut">
               <a:rPr lang="ko-KR" altLang="en-US" smtClean="0"/>
-              <a:t>2019-07-14</a:t>
+              <a:t>2019-07-28</a:t>
             </a:fld>
             <a:endParaRPr lang="ko-KR" altLang="en-US"/>
           </a:p>
@@ -2376,7 +2381,7 @@
           <a:p>
             <a:fld id="{7CDD5672-410E-4B8C-AC20-8F8FADD1AE2A}" type="datetimeFigureOut">
               <a:rPr lang="ko-KR" altLang="en-US" smtClean="0"/>
-              <a:t>2019-07-14</a:t>
+              <a:t>2019-07-28</a:t>
             </a:fld>
             <a:endParaRPr lang="ko-KR" altLang="en-US"/>
           </a:p>
@@ -2664,7 +2669,7 @@
           <a:p>
             <a:fld id="{7CDD5672-410E-4B8C-AC20-8F8FADD1AE2A}" type="datetimeFigureOut">
               <a:rPr lang="ko-KR" altLang="en-US" smtClean="0"/>
-              <a:t>2019-07-14</a:t>
+              <a:t>2019-07-28</a:t>
             </a:fld>
             <a:endParaRPr lang="ko-KR" altLang="en-US"/>
           </a:p>
@@ -2905,7 +2910,7 @@
           <a:p>
             <a:fld id="{7CDD5672-410E-4B8C-AC20-8F8FADD1AE2A}" type="datetimeFigureOut">
               <a:rPr lang="ko-KR" altLang="en-US" smtClean="0"/>
-              <a:t>2019-07-14</a:t>
+              <a:t>2019-07-28</a:t>
             </a:fld>
             <a:endParaRPr lang="ko-KR" altLang="en-US"/>
           </a:p>
@@ -3673,6 +3678,53 @@
           </a:p>
         </p:txBody>
       </p:sp>
+      <p:sp>
+        <p:nvSpPr>
+          <p:cNvPr id="11" name="타원 10">
+            <a:extLst>
+              <a:ext uri="{FF2B5EF4-FFF2-40B4-BE49-F238E27FC236}">
+                <a16:creationId xmlns:a16="http://schemas.microsoft.com/office/drawing/2014/main" id="{3441B95C-A444-4E49-B0D6-EAB6151A7B4E}"/>
+              </a:ext>
+            </a:extLst>
+          </p:cNvPr>
+          <p:cNvSpPr/>
+          <p:nvPr/>
+        </p:nvSpPr>
+        <p:spPr>
+          <a:xfrm>
+            <a:off x="6502868" y="5546523"/>
+            <a:ext cx="157992" cy="90880"/>
+          </a:xfrm>
+          <a:prstGeom prst="ellipse">
+            <a:avLst/>
+          </a:prstGeom>
+          <a:solidFill>
+            <a:srgbClr val="00B0F0"/>
+          </a:solidFill>
+        </p:spPr>
+        <p:style>
+          <a:lnRef idx="2">
+            <a:schemeClr val="accent2"/>
+          </a:lnRef>
+          <a:fillRef idx="1">
+            <a:schemeClr val="lt1"/>
+          </a:fillRef>
+          <a:effectRef idx="0">
+            <a:schemeClr val="accent2"/>
+          </a:effectRef>
+          <a:fontRef idx="minor">
+            <a:schemeClr val="dk1"/>
+          </a:fontRef>
+        </p:style>
+        <p:txBody>
+          <a:bodyPr rtlCol="0" anchor="ctr"/>
+          <a:lstStyle/>
+          <a:p>
+            <a:pPr algn="ctr"/>
+            <a:endParaRPr lang="ko-KR" altLang="en-US"/>
+          </a:p>
+        </p:txBody>
+      </p:sp>
     </p:spTree>
     <p:extLst>
       <p:ext uri="{BB962C8B-B14F-4D97-AF65-F5344CB8AC3E}">

--- a/교육상황.pptx
+++ b/교육상황.pptx
@@ -260,7 +260,7 @@
           <a:p>
             <a:fld id="{7CDD5672-410E-4B8C-AC20-8F8FADD1AE2A}" type="datetimeFigureOut">
               <a:rPr lang="ko-KR" altLang="en-US" smtClean="0"/>
-              <a:t>2019-07-28</a:t>
+              <a:t>2019-08-10</a:t>
             </a:fld>
             <a:endParaRPr lang="ko-KR" altLang="en-US"/>
           </a:p>
@@ -458,7 +458,7 @@
           <a:p>
             <a:fld id="{7CDD5672-410E-4B8C-AC20-8F8FADD1AE2A}" type="datetimeFigureOut">
               <a:rPr lang="ko-KR" altLang="en-US" smtClean="0"/>
-              <a:t>2019-07-28</a:t>
+              <a:t>2019-08-10</a:t>
             </a:fld>
             <a:endParaRPr lang="ko-KR" altLang="en-US"/>
           </a:p>
@@ -666,7 +666,7 @@
           <a:p>
             <a:fld id="{7CDD5672-410E-4B8C-AC20-8F8FADD1AE2A}" type="datetimeFigureOut">
               <a:rPr lang="ko-KR" altLang="en-US" smtClean="0"/>
-              <a:t>2019-07-28</a:t>
+              <a:t>2019-08-10</a:t>
             </a:fld>
             <a:endParaRPr lang="ko-KR" altLang="en-US"/>
           </a:p>
@@ -864,7 +864,7 @@
           <a:p>
             <a:fld id="{7CDD5672-410E-4B8C-AC20-8F8FADD1AE2A}" type="datetimeFigureOut">
               <a:rPr lang="ko-KR" altLang="en-US" smtClean="0"/>
-              <a:t>2019-07-28</a:t>
+              <a:t>2019-08-10</a:t>
             </a:fld>
             <a:endParaRPr lang="ko-KR" altLang="en-US"/>
           </a:p>
@@ -1139,7 +1139,7 @@
           <a:p>
             <a:fld id="{7CDD5672-410E-4B8C-AC20-8F8FADD1AE2A}" type="datetimeFigureOut">
               <a:rPr lang="ko-KR" altLang="en-US" smtClean="0"/>
-              <a:t>2019-07-28</a:t>
+              <a:t>2019-08-10</a:t>
             </a:fld>
             <a:endParaRPr lang="ko-KR" altLang="en-US"/>
           </a:p>
@@ -1404,7 +1404,7 @@
           <a:p>
             <a:fld id="{7CDD5672-410E-4B8C-AC20-8F8FADD1AE2A}" type="datetimeFigureOut">
               <a:rPr lang="ko-KR" altLang="en-US" smtClean="0"/>
-              <a:t>2019-07-28</a:t>
+              <a:t>2019-08-10</a:t>
             </a:fld>
             <a:endParaRPr lang="ko-KR" altLang="en-US"/>
           </a:p>
@@ -1816,7 +1816,7 @@
           <a:p>
             <a:fld id="{7CDD5672-410E-4B8C-AC20-8F8FADD1AE2A}" type="datetimeFigureOut">
               <a:rPr lang="ko-KR" altLang="en-US" smtClean="0"/>
-              <a:t>2019-07-28</a:t>
+              <a:t>2019-08-10</a:t>
             </a:fld>
             <a:endParaRPr lang="ko-KR" altLang="en-US"/>
           </a:p>
@@ -1957,7 +1957,7 @@
           <a:p>
             <a:fld id="{7CDD5672-410E-4B8C-AC20-8F8FADD1AE2A}" type="datetimeFigureOut">
               <a:rPr lang="ko-KR" altLang="en-US" smtClean="0"/>
-              <a:t>2019-07-28</a:t>
+              <a:t>2019-08-10</a:t>
             </a:fld>
             <a:endParaRPr lang="ko-KR" altLang="en-US"/>
           </a:p>
@@ -2070,7 +2070,7 @@
           <a:p>
             <a:fld id="{7CDD5672-410E-4B8C-AC20-8F8FADD1AE2A}" type="datetimeFigureOut">
               <a:rPr lang="ko-KR" altLang="en-US" smtClean="0"/>
-              <a:t>2019-07-28</a:t>
+              <a:t>2019-08-10</a:t>
             </a:fld>
             <a:endParaRPr lang="ko-KR" altLang="en-US"/>
           </a:p>
@@ -2381,7 +2381,7 @@
           <a:p>
             <a:fld id="{7CDD5672-410E-4B8C-AC20-8F8FADD1AE2A}" type="datetimeFigureOut">
               <a:rPr lang="ko-KR" altLang="en-US" smtClean="0"/>
-              <a:t>2019-07-28</a:t>
+              <a:t>2019-08-10</a:t>
             </a:fld>
             <a:endParaRPr lang="ko-KR" altLang="en-US"/>
           </a:p>
@@ -2669,7 +2669,7 @@
           <a:p>
             <a:fld id="{7CDD5672-410E-4B8C-AC20-8F8FADD1AE2A}" type="datetimeFigureOut">
               <a:rPr lang="ko-KR" altLang="en-US" smtClean="0"/>
-              <a:t>2019-07-28</a:t>
+              <a:t>2019-08-10</a:t>
             </a:fld>
             <a:endParaRPr lang="ko-KR" altLang="en-US"/>
           </a:p>
@@ -2910,7 +2910,7 @@
           <a:p>
             <a:fld id="{7CDD5672-410E-4B8C-AC20-8F8FADD1AE2A}" type="datetimeFigureOut">
               <a:rPr lang="ko-KR" altLang="en-US" smtClean="0"/>
-              <a:t>2019-07-28</a:t>
+              <a:t>2019-08-10</a:t>
             </a:fld>
             <a:endParaRPr lang="ko-KR" altLang="en-US"/>
           </a:p>
@@ -3699,7 +3699,111 @@
             <a:avLst/>
           </a:prstGeom>
           <a:solidFill>
-            <a:srgbClr val="00B0F0"/>
+            <a:srgbClr val="FF0000"/>
+          </a:solidFill>
+          <a:ln>
+            <a:solidFill>
+              <a:srgbClr val="FFC000"/>
+            </a:solidFill>
+          </a:ln>
+        </p:spPr>
+        <p:style>
+          <a:lnRef idx="2">
+            <a:schemeClr val="accent2"/>
+          </a:lnRef>
+          <a:fillRef idx="1">
+            <a:schemeClr val="lt1"/>
+          </a:fillRef>
+          <a:effectRef idx="0">
+            <a:schemeClr val="accent2"/>
+          </a:effectRef>
+          <a:fontRef idx="minor">
+            <a:schemeClr val="dk1"/>
+          </a:fontRef>
+        </p:style>
+        <p:txBody>
+          <a:bodyPr rtlCol="0" anchor="ctr"/>
+          <a:lstStyle/>
+          <a:p>
+            <a:pPr algn="ctr"/>
+            <a:endParaRPr lang="ko-KR" altLang="en-US"/>
+          </a:p>
+        </p:txBody>
+      </p:sp>
+      <p:sp>
+        <p:nvSpPr>
+          <p:cNvPr id="12" name="타원 11">
+            <a:extLst>
+              <a:ext uri="{FF2B5EF4-FFF2-40B4-BE49-F238E27FC236}">
+                <a16:creationId xmlns:a16="http://schemas.microsoft.com/office/drawing/2014/main" id="{C507BBC3-2762-4E34-B8BB-FCC583CDABB3}"/>
+              </a:ext>
+            </a:extLst>
+          </p:cNvPr>
+          <p:cNvSpPr/>
+          <p:nvPr/>
+        </p:nvSpPr>
+        <p:spPr>
+          <a:xfrm>
+            <a:off x="8425345" y="4809690"/>
+            <a:ext cx="157992" cy="90880"/>
+          </a:xfrm>
+          <a:prstGeom prst="ellipse">
+            <a:avLst/>
+          </a:prstGeom>
+          <a:solidFill>
+            <a:srgbClr val="FF0000"/>
+          </a:solidFill>
+          <a:ln>
+            <a:solidFill>
+              <a:srgbClr val="FFC000"/>
+            </a:solidFill>
+          </a:ln>
+        </p:spPr>
+        <p:style>
+          <a:lnRef idx="2">
+            <a:schemeClr val="accent2"/>
+          </a:lnRef>
+          <a:fillRef idx="1">
+            <a:schemeClr val="lt1"/>
+          </a:fillRef>
+          <a:effectRef idx="0">
+            <a:schemeClr val="accent2"/>
+          </a:effectRef>
+          <a:fontRef idx="minor">
+            <a:schemeClr val="dk1"/>
+          </a:fontRef>
+        </p:style>
+        <p:txBody>
+          <a:bodyPr rtlCol="0" anchor="ctr"/>
+          <a:lstStyle/>
+          <a:p>
+            <a:pPr algn="ctr"/>
+            <a:endParaRPr lang="ko-KR" altLang="en-US"/>
+          </a:p>
+        </p:txBody>
+      </p:sp>
+      <p:sp>
+        <p:nvSpPr>
+          <p:cNvPr id="13" name="타원 12">
+            <a:extLst>
+              <a:ext uri="{FF2B5EF4-FFF2-40B4-BE49-F238E27FC236}">
+                <a16:creationId xmlns:a16="http://schemas.microsoft.com/office/drawing/2014/main" id="{83D37378-FDCB-47FF-88BA-2AD5BF042D32}"/>
+              </a:ext>
+            </a:extLst>
+          </p:cNvPr>
+          <p:cNvSpPr/>
+          <p:nvPr/>
+        </p:nvSpPr>
+        <p:spPr>
+          <a:xfrm>
+            <a:off x="2804719" y="791362"/>
+            <a:ext cx="132825" cy="132825"/>
+          </a:xfrm>
+          <a:prstGeom prst="ellipse">
+            <a:avLst/>
+          </a:prstGeom>
+          <a:solidFill>
+            <a:srgbClr val="FF0000"/>
           </a:solidFill>
         </p:spPr>
         <p:style>

--- a/교육상황.pptx
+++ b/교육상황.pptx
@@ -260,7 +260,7 @@
           <a:p>
             <a:fld id="{7CDD5672-410E-4B8C-AC20-8F8FADD1AE2A}" type="datetimeFigureOut">
               <a:rPr lang="ko-KR" altLang="en-US" smtClean="0"/>
-              <a:t>2019-08-10</a:t>
+              <a:t>2019-09-19</a:t>
             </a:fld>
             <a:endParaRPr lang="ko-KR" altLang="en-US"/>
           </a:p>
@@ -458,7 +458,7 @@
           <a:p>
             <a:fld id="{7CDD5672-410E-4B8C-AC20-8F8FADD1AE2A}" type="datetimeFigureOut">
               <a:rPr lang="ko-KR" altLang="en-US" smtClean="0"/>
-              <a:t>2019-08-10</a:t>
+              <a:t>2019-09-19</a:t>
             </a:fld>
             <a:endParaRPr lang="ko-KR" altLang="en-US"/>
           </a:p>
@@ -666,7 +666,7 @@
           <a:p>
             <a:fld id="{7CDD5672-410E-4B8C-AC20-8F8FADD1AE2A}" type="datetimeFigureOut">
               <a:rPr lang="ko-KR" altLang="en-US" smtClean="0"/>
-              <a:t>2019-08-10</a:t>
+              <a:t>2019-09-19</a:t>
             </a:fld>
             <a:endParaRPr lang="ko-KR" altLang="en-US"/>
           </a:p>
@@ -864,7 +864,7 @@
           <a:p>
             <a:fld id="{7CDD5672-410E-4B8C-AC20-8F8FADD1AE2A}" type="datetimeFigureOut">
               <a:rPr lang="ko-KR" altLang="en-US" smtClean="0"/>
-              <a:t>2019-08-10</a:t>
+              <a:t>2019-09-19</a:t>
             </a:fld>
             <a:endParaRPr lang="ko-KR" altLang="en-US"/>
           </a:p>
@@ -1139,7 +1139,7 @@
           <a:p>
             <a:fld id="{7CDD5672-410E-4B8C-AC20-8F8FADD1AE2A}" type="datetimeFigureOut">
               <a:rPr lang="ko-KR" altLang="en-US" smtClean="0"/>
-              <a:t>2019-08-10</a:t>
+              <a:t>2019-09-19</a:t>
             </a:fld>
             <a:endParaRPr lang="ko-KR" altLang="en-US"/>
           </a:p>
@@ -1404,7 +1404,7 @@
           <a:p>
             <a:fld id="{7CDD5672-410E-4B8C-AC20-8F8FADD1AE2A}" type="datetimeFigureOut">
               <a:rPr lang="ko-KR" altLang="en-US" smtClean="0"/>
-              <a:t>2019-08-10</a:t>
+              <a:t>2019-09-19</a:t>
             </a:fld>
             <a:endParaRPr lang="ko-KR" altLang="en-US"/>
           </a:p>
@@ -1816,7 +1816,7 @@
           <a:p>
             <a:fld id="{7CDD5672-410E-4B8C-AC20-8F8FADD1AE2A}" type="datetimeFigureOut">
               <a:rPr lang="ko-KR" altLang="en-US" smtClean="0"/>
-              <a:t>2019-08-10</a:t>
+              <a:t>2019-09-19</a:t>
             </a:fld>
             <a:endParaRPr lang="ko-KR" altLang="en-US"/>
           </a:p>
@@ -1957,7 +1957,7 @@
           <a:p>
             <a:fld id="{7CDD5672-410E-4B8C-AC20-8F8FADD1AE2A}" type="datetimeFigureOut">
               <a:rPr lang="ko-KR" altLang="en-US" smtClean="0"/>
-              <a:t>2019-08-10</a:t>
+              <a:t>2019-09-19</a:t>
             </a:fld>
             <a:endParaRPr lang="ko-KR" altLang="en-US"/>
           </a:p>
@@ -2070,7 +2070,7 @@
           <a:p>
             <a:fld id="{7CDD5672-410E-4B8C-AC20-8F8FADD1AE2A}" type="datetimeFigureOut">
               <a:rPr lang="ko-KR" altLang="en-US" smtClean="0"/>
-              <a:t>2019-08-10</a:t>
+              <a:t>2019-09-19</a:t>
             </a:fld>
             <a:endParaRPr lang="ko-KR" altLang="en-US"/>
           </a:p>
@@ -2381,7 +2381,7 @@
           <a:p>
             <a:fld id="{7CDD5672-410E-4B8C-AC20-8F8FADD1AE2A}" type="datetimeFigureOut">
               <a:rPr lang="ko-KR" altLang="en-US" smtClean="0"/>
-              <a:t>2019-08-10</a:t>
+              <a:t>2019-09-19</a:t>
             </a:fld>
             <a:endParaRPr lang="ko-KR" altLang="en-US"/>
           </a:p>
@@ -2669,7 +2669,7 @@
           <a:p>
             <a:fld id="{7CDD5672-410E-4B8C-AC20-8F8FADD1AE2A}" type="datetimeFigureOut">
               <a:rPr lang="ko-KR" altLang="en-US" smtClean="0"/>
-              <a:t>2019-08-10</a:t>
+              <a:t>2019-09-19</a:t>
             </a:fld>
             <a:endParaRPr lang="ko-KR" altLang="en-US"/>
           </a:p>
@@ -2910,7 +2910,7 @@
           <a:p>
             <a:fld id="{7CDD5672-410E-4B8C-AC20-8F8FADD1AE2A}" type="datetimeFigureOut">
               <a:rPr lang="ko-KR" altLang="en-US" smtClean="0"/>
-              <a:t>2019-08-10</a:t>
+              <a:t>2019-09-19</a:t>
             </a:fld>
             <a:endParaRPr lang="ko-KR" altLang="en-US"/>
           </a:p>
@@ -3829,6 +3829,194 @@
           </a:p>
         </p:txBody>
       </p:sp>
+      <p:sp>
+        <p:nvSpPr>
+          <p:cNvPr id="14" name="타원 13">
+            <a:extLst>
+              <a:ext uri="{FF2B5EF4-FFF2-40B4-BE49-F238E27FC236}">
+                <a16:creationId xmlns:a16="http://schemas.microsoft.com/office/drawing/2014/main" id="{32ED5E43-3FAE-4B84-8719-D89ABFA0B9FC}"/>
+              </a:ext>
+            </a:extLst>
+          </p:cNvPr>
+          <p:cNvSpPr/>
+          <p:nvPr/>
+        </p:nvSpPr>
+        <p:spPr>
+          <a:xfrm>
+            <a:off x="7677325" y="6125362"/>
+            <a:ext cx="149603" cy="149603"/>
+          </a:xfrm>
+          <a:prstGeom prst="ellipse">
+            <a:avLst/>
+          </a:prstGeom>
+          <a:solidFill>
+            <a:srgbClr val="FF0000"/>
+          </a:solidFill>
+        </p:spPr>
+        <p:style>
+          <a:lnRef idx="2">
+            <a:schemeClr val="accent2"/>
+          </a:lnRef>
+          <a:fillRef idx="1">
+            <a:schemeClr val="lt1"/>
+          </a:fillRef>
+          <a:effectRef idx="0">
+            <a:schemeClr val="accent2"/>
+          </a:effectRef>
+          <a:fontRef idx="minor">
+            <a:schemeClr val="dk1"/>
+          </a:fontRef>
+        </p:style>
+        <p:txBody>
+          <a:bodyPr rtlCol="0" anchor="ctr"/>
+          <a:lstStyle/>
+          <a:p>
+            <a:pPr algn="ctr"/>
+            <a:endParaRPr lang="ko-KR" altLang="en-US"/>
+          </a:p>
+        </p:txBody>
+      </p:sp>
+      <p:sp>
+        <p:nvSpPr>
+          <p:cNvPr id="15" name="타원 14">
+            <a:extLst>
+              <a:ext uri="{FF2B5EF4-FFF2-40B4-BE49-F238E27FC236}">
+                <a16:creationId xmlns:a16="http://schemas.microsoft.com/office/drawing/2014/main" id="{16C4273D-66DE-4526-A050-F57FE32107EB}"/>
+              </a:ext>
+            </a:extLst>
+          </p:cNvPr>
+          <p:cNvSpPr/>
+          <p:nvPr/>
+        </p:nvSpPr>
+        <p:spPr>
+          <a:xfrm>
+            <a:off x="5648500" y="6708397"/>
+            <a:ext cx="149603" cy="149603"/>
+          </a:xfrm>
+          <a:prstGeom prst="ellipse">
+            <a:avLst/>
+          </a:prstGeom>
+          <a:solidFill>
+            <a:srgbClr val="FF0000"/>
+          </a:solidFill>
+        </p:spPr>
+        <p:style>
+          <a:lnRef idx="2">
+            <a:schemeClr val="accent2"/>
+          </a:lnRef>
+          <a:fillRef idx="1">
+            <a:schemeClr val="lt1"/>
+          </a:fillRef>
+          <a:effectRef idx="0">
+            <a:schemeClr val="accent2"/>
+          </a:effectRef>
+          <a:fontRef idx="minor">
+            <a:schemeClr val="dk1"/>
+          </a:fontRef>
+        </p:style>
+        <p:txBody>
+          <a:bodyPr rtlCol="0" anchor="ctr"/>
+          <a:lstStyle/>
+          <a:p>
+            <a:pPr algn="ctr"/>
+            <a:endParaRPr lang="ko-KR" altLang="en-US"/>
+          </a:p>
+        </p:txBody>
+      </p:sp>
+      <p:sp>
+        <p:nvSpPr>
+          <p:cNvPr id="16" name="타원 15">
+            <a:extLst>
+              <a:ext uri="{FF2B5EF4-FFF2-40B4-BE49-F238E27FC236}">
+                <a16:creationId xmlns:a16="http://schemas.microsoft.com/office/drawing/2014/main" id="{4C66AF53-719C-47CD-9F27-229B9BC4A6B4}"/>
+              </a:ext>
+            </a:extLst>
+          </p:cNvPr>
+          <p:cNvSpPr/>
+          <p:nvPr/>
+        </p:nvSpPr>
+        <p:spPr>
+          <a:xfrm>
+            <a:off x="7429675" y="5070097"/>
+            <a:ext cx="149603" cy="149603"/>
+          </a:xfrm>
+          <a:prstGeom prst="ellipse">
+            <a:avLst/>
+          </a:prstGeom>
+          <a:solidFill>
+            <a:srgbClr val="FF0000"/>
+          </a:solidFill>
+        </p:spPr>
+        <p:style>
+          <a:lnRef idx="2">
+            <a:schemeClr val="accent2"/>
+          </a:lnRef>
+          <a:fillRef idx="1">
+            <a:schemeClr val="lt1"/>
+          </a:fillRef>
+          <a:effectRef idx="0">
+            <a:schemeClr val="accent2"/>
+          </a:effectRef>
+          <a:fontRef idx="minor">
+            <a:schemeClr val="dk1"/>
+          </a:fontRef>
+        </p:style>
+        <p:txBody>
+          <a:bodyPr rtlCol="0" anchor="ctr"/>
+          <a:lstStyle/>
+          <a:p>
+            <a:pPr algn="ctr"/>
+            <a:endParaRPr lang="ko-KR" altLang="en-US"/>
+          </a:p>
+        </p:txBody>
+      </p:sp>
+      <p:sp>
+        <p:nvSpPr>
+          <p:cNvPr id="17" name="타원 16">
+            <a:extLst>
+              <a:ext uri="{FF2B5EF4-FFF2-40B4-BE49-F238E27FC236}">
+                <a16:creationId xmlns:a16="http://schemas.microsoft.com/office/drawing/2014/main" id="{2D9470C6-7C06-4B08-9696-3A9ECEDA5792}"/>
+              </a:ext>
+            </a:extLst>
+          </p:cNvPr>
+          <p:cNvSpPr/>
+          <p:nvPr/>
+        </p:nvSpPr>
+        <p:spPr>
+          <a:xfrm>
+            <a:off x="5573698" y="5219700"/>
+            <a:ext cx="149603" cy="149603"/>
+          </a:xfrm>
+          <a:prstGeom prst="ellipse">
+            <a:avLst/>
+          </a:prstGeom>
+          <a:solidFill>
+            <a:srgbClr val="FF0000"/>
+          </a:solidFill>
+        </p:spPr>
+        <p:style>
+          <a:lnRef idx="2">
+            <a:schemeClr val="accent2"/>
+          </a:lnRef>
+          <a:fillRef idx="1">
+            <a:schemeClr val="lt1"/>
+          </a:fillRef>
+          <a:effectRef idx="0">
+            <a:schemeClr val="accent2"/>
+          </a:effectRef>
+          <a:fontRef idx="minor">
+            <a:schemeClr val="dk1"/>
+          </a:fontRef>
+        </p:style>
+        <p:txBody>
+          <a:bodyPr rtlCol="0" anchor="ctr"/>
+          <a:lstStyle/>
+          <a:p>
+            <a:pPr algn="ctr"/>
+            <a:endParaRPr lang="ko-KR" altLang="en-US"/>
+          </a:p>
+        </p:txBody>
+      </p:sp>
     </p:spTree>
     <p:extLst>
       <p:ext uri="{BB962C8B-B14F-4D97-AF65-F5344CB8AC3E}">

--- a/교육상황.pptx
+++ b/교육상황.pptx
@@ -5,8 +5,8 @@
     <p:sldMasterId id="2147483648" r:id="rId1"/>
   </p:sldMasterIdLst>
   <p:sldIdLst>
-    <p:sldId id="256" r:id="rId2"/>
-    <p:sldId id="257" r:id="rId3"/>
+    <p:sldId id="257" r:id="rId2"/>
+    <p:sldId id="258" r:id="rId3"/>
   </p:sldIdLst>
   <p:sldSz cx="12192000" cy="6858000"/>
   <p:notesSz cx="6858000" cy="9144000"/>
@@ -260,7 +260,7 @@
           <a:p>
             <a:fld id="{7CDD5672-410E-4B8C-AC20-8F8FADD1AE2A}" type="datetimeFigureOut">
               <a:rPr lang="ko-KR" altLang="en-US" smtClean="0"/>
-              <a:t>2019-09-19</a:t>
+              <a:t>2019-09-22</a:t>
             </a:fld>
             <a:endParaRPr lang="ko-KR" altLang="en-US"/>
           </a:p>
@@ -458,7 +458,7 @@
           <a:p>
             <a:fld id="{7CDD5672-410E-4B8C-AC20-8F8FADD1AE2A}" type="datetimeFigureOut">
               <a:rPr lang="ko-KR" altLang="en-US" smtClean="0"/>
-              <a:t>2019-09-19</a:t>
+              <a:t>2019-09-22</a:t>
             </a:fld>
             <a:endParaRPr lang="ko-KR" altLang="en-US"/>
           </a:p>
@@ -666,7 +666,7 @@
           <a:p>
             <a:fld id="{7CDD5672-410E-4B8C-AC20-8F8FADD1AE2A}" type="datetimeFigureOut">
               <a:rPr lang="ko-KR" altLang="en-US" smtClean="0"/>
-              <a:t>2019-09-19</a:t>
+              <a:t>2019-09-22</a:t>
             </a:fld>
             <a:endParaRPr lang="ko-KR" altLang="en-US"/>
           </a:p>
@@ -864,7 +864,7 @@
           <a:p>
             <a:fld id="{7CDD5672-410E-4B8C-AC20-8F8FADD1AE2A}" type="datetimeFigureOut">
               <a:rPr lang="ko-KR" altLang="en-US" smtClean="0"/>
-              <a:t>2019-09-19</a:t>
+              <a:t>2019-09-22</a:t>
             </a:fld>
             <a:endParaRPr lang="ko-KR" altLang="en-US"/>
           </a:p>
@@ -1139,7 +1139,7 @@
           <a:p>
             <a:fld id="{7CDD5672-410E-4B8C-AC20-8F8FADD1AE2A}" type="datetimeFigureOut">
               <a:rPr lang="ko-KR" altLang="en-US" smtClean="0"/>
-              <a:t>2019-09-19</a:t>
+              <a:t>2019-09-22</a:t>
             </a:fld>
             <a:endParaRPr lang="ko-KR" altLang="en-US"/>
           </a:p>
@@ -1404,7 +1404,7 @@
           <a:p>
             <a:fld id="{7CDD5672-410E-4B8C-AC20-8F8FADD1AE2A}" type="datetimeFigureOut">
               <a:rPr lang="ko-KR" altLang="en-US" smtClean="0"/>
-              <a:t>2019-09-19</a:t>
+              <a:t>2019-09-22</a:t>
             </a:fld>
             <a:endParaRPr lang="ko-KR" altLang="en-US"/>
           </a:p>
@@ -1816,7 +1816,7 @@
           <a:p>
             <a:fld id="{7CDD5672-410E-4B8C-AC20-8F8FADD1AE2A}" type="datetimeFigureOut">
               <a:rPr lang="ko-KR" altLang="en-US" smtClean="0"/>
-              <a:t>2019-09-19</a:t>
+              <a:t>2019-09-22</a:t>
             </a:fld>
             <a:endParaRPr lang="ko-KR" altLang="en-US"/>
           </a:p>
@@ -1957,7 +1957,7 @@
           <a:p>
             <a:fld id="{7CDD5672-410E-4B8C-AC20-8F8FADD1AE2A}" type="datetimeFigureOut">
               <a:rPr lang="ko-KR" altLang="en-US" smtClean="0"/>
-              <a:t>2019-09-19</a:t>
+              <a:t>2019-09-22</a:t>
             </a:fld>
             <a:endParaRPr lang="ko-KR" altLang="en-US"/>
           </a:p>
@@ -2070,7 +2070,7 @@
           <a:p>
             <a:fld id="{7CDD5672-410E-4B8C-AC20-8F8FADD1AE2A}" type="datetimeFigureOut">
               <a:rPr lang="ko-KR" altLang="en-US" smtClean="0"/>
-              <a:t>2019-09-19</a:t>
+              <a:t>2019-09-22</a:t>
             </a:fld>
             <a:endParaRPr lang="ko-KR" altLang="en-US"/>
           </a:p>
@@ -2381,7 +2381,7 @@
           <a:p>
             <a:fld id="{7CDD5672-410E-4B8C-AC20-8F8FADD1AE2A}" type="datetimeFigureOut">
               <a:rPr lang="ko-KR" altLang="en-US" smtClean="0"/>
-              <a:t>2019-09-19</a:t>
+              <a:t>2019-09-22</a:t>
             </a:fld>
             <a:endParaRPr lang="ko-KR" altLang="en-US"/>
           </a:p>
@@ -2669,7 +2669,7 @@
           <a:p>
             <a:fld id="{7CDD5672-410E-4B8C-AC20-8F8FADD1AE2A}" type="datetimeFigureOut">
               <a:rPr lang="ko-KR" altLang="en-US" smtClean="0"/>
-              <a:t>2019-09-19</a:t>
+              <a:t>2019-09-22</a:t>
             </a:fld>
             <a:endParaRPr lang="ko-KR" altLang="en-US"/>
           </a:p>
@@ -2910,7 +2910,7 @@
           <a:p>
             <a:fld id="{7CDD5672-410E-4B8C-AC20-8F8FADD1AE2A}" type="datetimeFigureOut">
               <a:rPr lang="ko-KR" altLang="en-US" smtClean="0"/>
-              <a:t>2019-09-19</a:t>
+              <a:t>2019-09-22</a:t>
             </a:fld>
             <a:endParaRPr lang="ko-KR" altLang="en-US"/>
           </a:p>
@@ -3327,52 +3327,659 @@
           <a:chExt cx="0" cy="0"/>
         </a:xfrm>
       </p:grpSpPr>
-      <p:sp>
-        <p:nvSpPr>
-          <p:cNvPr id="2" name="제목 1">
-            <a:extLst>
-              <a:ext uri="{FF2B5EF4-FFF2-40B4-BE49-F238E27FC236}">
-                <a16:creationId xmlns:a16="http://schemas.microsoft.com/office/drawing/2014/main" id="{E4C30823-53E8-4656-8A89-BC4995F861E2}"/>
-              </a:ext>
-            </a:extLst>
-          </p:cNvPr>
-          <p:cNvSpPr>
-            <a:spLocks noGrp="1"/>
-          </p:cNvSpPr>
-          <p:nvPr>
-            <p:ph type="ctrTitle"/>
-          </p:nvPr>
-        </p:nvSpPr>
-        <p:spPr/>
-        <p:txBody>
-          <a:bodyPr/>
-          <a:lstStyle/>
-          <a:p>
-            <a:endParaRPr lang="ko-KR" altLang="en-US"/>
-          </a:p>
-        </p:txBody>
-      </p:sp>
-      <p:sp>
-        <p:nvSpPr>
-          <p:cNvPr id="3" name="부제목 2">
-            <a:extLst>
-              <a:ext uri="{FF2B5EF4-FFF2-40B4-BE49-F238E27FC236}">
-                <a16:creationId xmlns:a16="http://schemas.microsoft.com/office/drawing/2014/main" id="{DC8FF9EB-BAEE-4C35-99BB-6E14C964C84C}"/>
-              </a:ext>
-            </a:extLst>
-          </p:cNvPr>
-          <p:cNvSpPr>
-            <a:spLocks noGrp="1"/>
-          </p:cNvSpPr>
-          <p:nvPr>
-            <p:ph type="subTitle" idx="1"/>
-          </p:nvPr>
-        </p:nvSpPr>
-        <p:spPr/>
-        <p:txBody>
-          <a:bodyPr/>
-          <a:lstStyle/>
-          <a:p>
+      <p:pic>
+        <p:nvPicPr>
+          <p:cNvPr id="5" name="그림 4">
+            <a:extLst>
+              <a:ext uri="{FF2B5EF4-FFF2-40B4-BE49-F238E27FC236}">
+                <a16:creationId xmlns:a16="http://schemas.microsoft.com/office/drawing/2014/main" id="{4AE52252-3409-4023-9664-7B64848FFAA5}"/>
+              </a:ext>
+            </a:extLst>
+          </p:cNvPr>
+          <p:cNvPicPr>
+            <a:picLocks noChangeAspect="1"/>
+          </p:cNvPicPr>
+          <p:nvPr/>
+        </p:nvPicPr>
+        <p:blipFill>
+          <a:blip r:embed="rId2">
+            <a:extLst>
+              <a:ext uri="{28A0092B-C50C-407E-A947-70E740481C1C}">
+                <a14:useLocalDpi xmlns:a14="http://schemas.microsoft.com/office/drawing/2010/main" val="0"/>
+              </a:ext>
+            </a:extLst>
+          </a:blip>
+          <a:stretch>
+            <a:fillRect/>
+          </a:stretch>
+        </p:blipFill>
+        <p:spPr>
+          <a:xfrm>
+            <a:off x="0" y="0"/>
+            <a:ext cx="12192000" cy="6858000"/>
+          </a:xfrm>
+          <a:prstGeom prst="rect">
+            <a:avLst/>
+          </a:prstGeom>
+        </p:spPr>
+      </p:pic>
+      <p:sp>
+        <p:nvSpPr>
+          <p:cNvPr id="6" name="타원 5">
+            <a:extLst>
+              <a:ext uri="{FF2B5EF4-FFF2-40B4-BE49-F238E27FC236}">
+                <a16:creationId xmlns:a16="http://schemas.microsoft.com/office/drawing/2014/main" id="{7DC915DD-C5D4-4568-A097-42CDF3D6E26F}"/>
+              </a:ext>
+            </a:extLst>
+          </p:cNvPr>
+          <p:cNvSpPr/>
+          <p:nvPr/>
+        </p:nvSpPr>
+        <p:spPr>
+          <a:xfrm>
+            <a:off x="5872294" y="4496500"/>
+            <a:ext cx="260058" cy="260058"/>
+          </a:xfrm>
+          <a:prstGeom prst="ellipse">
+            <a:avLst/>
+          </a:prstGeom>
+          <a:solidFill>
+            <a:srgbClr val="FF0000"/>
+          </a:solidFill>
+        </p:spPr>
+        <p:style>
+          <a:lnRef idx="2">
+            <a:schemeClr val="accent2"/>
+          </a:lnRef>
+          <a:fillRef idx="1">
+            <a:schemeClr val="lt1"/>
+          </a:fillRef>
+          <a:effectRef idx="0">
+            <a:schemeClr val="accent2"/>
+          </a:effectRef>
+          <a:fontRef idx="minor">
+            <a:schemeClr val="dk1"/>
+          </a:fontRef>
+        </p:style>
+        <p:txBody>
+          <a:bodyPr rtlCol="0" anchor="ctr"/>
+          <a:lstStyle/>
+          <a:p>
+            <a:pPr algn="ctr"/>
+            <a:endParaRPr lang="ko-KR" altLang="en-US"/>
+          </a:p>
+        </p:txBody>
+      </p:sp>
+      <p:sp>
+        <p:nvSpPr>
+          <p:cNvPr id="7" name="타원 6">
+            <a:extLst>
+              <a:ext uri="{FF2B5EF4-FFF2-40B4-BE49-F238E27FC236}">
+                <a16:creationId xmlns:a16="http://schemas.microsoft.com/office/drawing/2014/main" id="{3478AFAB-DC9E-49E3-8F0B-EF49D27EB45B}"/>
+              </a:ext>
+            </a:extLst>
+          </p:cNvPr>
+          <p:cNvSpPr/>
+          <p:nvPr/>
+        </p:nvSpPr>
+        <p:spPr>
+          <a:xfrm>
+            <a:off x="7132041" y="2870434"/>
+            <a:ext cx="132825" cy="132825"/>
+          </a:xfrm>
+          <a:prstGeom prst="ellipse">
+            <a:avLst/>
+          </a:prstGeom>
+          <a:solidFill>
+            <a:srgbClr val="FF0000"/>
+          </a:solidFill>
+        </p:spPr>
+        <p:style>
+          <a:lnRef idx="2">
+            <a:schemeClr val="accent2"/>
+          </a:lnRef>
+          <a:fillRef idx="1">
+            <a:schemeClr val="lt1"/>
+          </a:fillRef>
+          <a:effectRef idx="0">
+            <a:schemeClr val="accent2"/>
+          </a:effectRef>
+          <a:fontRef idx="minor">
+            <a:schemeClr val="dk1"/>
+          </a:fontRef>
+        </p:style>
+        <p:txBody>
+          <a:bodyPr rtlCol="0" anchor="ctr"/>
+          <a:lstStyle/>
+          <a:p>
+            <a:pPr algn="ctr"/>
+            <a:endParaRPr lang="ko-KR" altLang="en-US"/>
+          </a:p>
+        </p:txBody>
+      </p:sp>
+      <p:sp>
+        <p:nvSpPr>
+          <p:cNvPr id="8" name="타원 7">
+            <a:extLst>
+              <a:ext uri="{FF2B5EF4-FFF2-40B4-BE49-F238E27FC236}">
+                <a16:creationId xmlns:a16="http://schemas.microsoft.com/office/drawing/2014/main" id="{77D5814E-E46F-4DC8-9331-4976F13B6E9E}"/>
+              </a:ext>
+            </a:extLst>
+          </p:cNvPr>
+          <p:cNvSpPr/>
+          <p:nvPr/>
+        </p:nvSpPr>
+        <p:spPr>
+          <a:xfrm>
+            <a:off x="9138408" y="2922166"/>
+            <a:ext cx="132825" cy="132825"/>
+          </a:xfrm>
+          <a:prstGeom prst="ellipse">
+            <a:avLst/>
+          </a:prstGeom>
+          <a:solidFill>
+            <a:srgbClr val="FF0000"/>
+          </a:solidFill>
+        </p:spPr>
+        <p:style>
+          <a:lnRef idx="2">
+            <a:schemeClr val="accent2"/>
+          </a:lnRef>
+          <a:fillRef idx="1">
+            <a:schemeClr val="lt1"/>
+          </a:fillRef>
+          <a:effectRef idx="0">
+            <a:schemeClr val="accent2"/>
+          </a:effectRef>
+          <a:fontRef idx="minor">
+            <a:schemeClr val="dk1"/>
+          </a:fontRef>
+        </p:style>
+        <p:txBody>
+          <a:bodyPr rtlCol="0" anchor="ctr"/>
+          <a:lstStyle/>
+          <a:p>
+            <a:pPr algn="ctr"/>
+            <a:endParaRPr lang="ko-KR" altLang="en-US"/>
+          </a:p>
+        </p:txBody>
+      </p:sp>
+      <p:sp>
+        <p:nvSpPr>
+          <p:cNvPr id="9" name="타원 8">
+            <a:extLst>
+              <a:ext uri="{FF2B5EF4-FFF2-40B4-BE49-F238E27FC236}">
+                <a16:creationId xmlns:a16="http://schemas.microsoft.com/office/drawing/2014/main" id="{8DC96C4A-A7B9-432E-8D57-411B7E313ED6}"/>
+              </a:ext>
+            </a:extLst>
+          </p:cNvPr>
+          <p:cNvSpPr/>
+          <p:nvPr/>
+        </p:nvSpPr>
+        <p:spPr>
+          <a:xfrm>
+            <a:off x="4608353" y="4474129"/>
+            <a:ext cx="132825" cy="132825"/>
+          </a:xfrm>
+          <a:prstGeom prst="ellipse">
+            <a:avLst/>
+          </a:prstGeom>
+          <a:solidFill>
+            <a:srgbClr val="FF0000"/>
+          </a:solidFill>
+        </p:spPr>
+        <p:style>
+          <a:lnRef idx="2">
+            <a:schemeClr val="accent2"/>
+          </a:lnRef>
+          <a:fillRef idx="1">
+            <a:schemeClr val="lt1"/>
+          </a:fillRef>
+          <a:effectRef idx="0">
+            <a:schemeClr val="accent2"/>
+          </a:effectRef>
+          <a:fontRef idx="minor">
+            <a:schemeClr val="dk1"/>
+          </a:fontRef>
+        </p:style>
+        <p:txBody>
+          <a:bodyPr rtlCol="0" anchor="ctr"/>
+          <a:lstStyle/>
+          <a:p>
+            <a:pPr algn="ctr"/>
+            <a:endParaRPr lang="ko-KR" altLang="en-US"/>
+          </a:p>
+        </p:txBody>
+      </p:sp>
+      <p:sp>
+        <p:nvSpPr>
+          <p:cNvPr id="10" name="타원 9">
+            <a:extLst>
+              <a:ext uri="{FF2B5EF4-FFF2-40B4-BE49-F238E27FC236}">
+                <a16:creationId xmlns:a16="http://schemas.microsoft.com/office/drawing/2014/main" id="{CB32C23A-0967-46E7-BBB7-F607A3E086AE}"/>
+              </a:ext>
+            </a:extLst>
+          </p:cNvPr>
+          <p:cNvSpPr/>
+          <p:nvPr/>
+        </p:nvSpPr>
+        <p:spPr>
+          <a:xfrm>
+            <a:off x="2671894" y="6564386"/>
+            <a:ext cx="132825" cy="132825"/>
+          </a:xfrm>
+          <a:prstGeom prst="ellipse">
+            <a:avLst/>
+          </a:prstGeom>
+          <a:solidFill>
+            <a:srgbClr val="FF0000"/>
+          </a:solidFill>
+        </p:spPr>
+        <p:style>
+          <a:lnRef idx="2">
+            <a:schemeClr val="accent2"/>
+          </a:lnRef>
+          <a:fillRef idx="1">
+            <a:schemeClr val="lt1"/>
+          </a:fillRef>
+          <a:effectRef idx="0">
+            <a:schemeClr val="accent2"/>
+          </a:effectRef>
+          <a:fontRef idx="minor">
+            <a:schemeClr val="dk1"/>
+          </a:fontRef>
+        </p:style>
+        <p:txBody>
+          <a:bodyPr rtlCol="0" anchor="ctr"/>
+          <a:lstStyle/>
+          <a:p>
+            <a:pPr algn="ctr"/>
+            <a:endParaRPr lang="ko-KR" altLang="en-US"/>
+          </a:p>
+        </p:txBody>
+      </p:sp>
+      <p:sp>
+        <p:nvSpPr>
+          <p:cNvPr id="11" name="타원 10">
+            <a:extLst>
+              <a:ext uri="{FF2B5EF4-FFF2-40B4-BE49-F238E27FC236}">
+                <a16:creationId xmlns:a16="http://schemas.microsoft.com/office/drawing/2014/main" id="{3441B95C-A444-4E49-B0D6-EAB6151A7B4E}"/>
+              </a:ext>
+            </a:extLst>
+          </p:cNvPr>
+          <p:cNvSpPr/>
+          <p:nvPr/>
+        </p:nvSpPr>
+        <p:spPr>
+          <a:xfrm>
+            <a:off x="6502868" y="5546523"/>
+            <a:ext cx="157992" cy="90880"/>
+          </a:xfrm>
+          <a:prstGeom prst="ellipse">
+            <a:avLst/>
+          </a:prstGeom>
+          <a:solidFill>
+            <a:srgbClr val="FF0000"/>
+          </a:solidFill>
+          <a:ln>
+            <a:solidFill>
+              <a:srgbClr val="FFC000"/>
+            </a:solidFill>
+          </a:ln>
+        </p:spPr>
+        <p:style>
+          <a:lnRef idx="2">
+            <a:schemeClr val="accent2"/>
+          </a:lnRef>
+          <a:fillRef idx="1">
+            <a:schemeClr val="lt1"/>
+          </a:fillRef>
+          <a:effectRef idx="0">
+            <a:schemeClr val="accent2"/>
+          </a:effectRef>
+          <a:fontRef idx="minor">
+            <a:schemeClr val="dk1"/>
+          </a:fontRef>
+        </p:style>
+        <p:txBody>
+          <a:bodyPr rtlCol="0" anchor="ctr"/>
+          <a:lstStyle/>
+          <a:p>
+            <a:pPr algn="ctr"/>
+            <a:endParaRPr lang="ko-KR" altLang="en-US"/>
+          </a:p>
+        </p:txBody>
+      </p:sp>
+      <p:sp>
+        <p:nvSpPr>
+          <p:cNvPr id="12" name="타원 11">
+            <a:extLst>
+              <a:ext uri="{FF2B5EF4-FFF2-40B4-BE49-F238E27FC236}">
+                <a16:creationId xmlns:a16="http://schemas.microsoft.com/office/drawing/2014/main" id="{C507BBC3-2762-4E34-B8BB-FCC583CDABB3}"/>
+              </a:ext>
+            </a:extLst>
+          </p:cNvPr>
+          <p:cNvSpPr/>
+          <p:nvPr/>
+        </p:nvSpPr>
+        <p:spPr>
+          <a:xfrm>
+            <a:off x="8425345" y="4809690"/>
+            <a:ext cx="157992" cy="90880"/>
+          </a:xfrm>
+          <a:prstGeom prst="ellipse">
+            <a:avLst/>
+          </a:prstGeom>
+          <a:solidFill>
+            <a:srgbClr val="FF0000"/>
+          </a:solidFill>
+          <a:ln>
+            <a:solidFill>
+              <a:srgbClr val="FFC000"/>
+            </a:solidFill>
+          </a:ln>
+        </p:spPr>
+        <p:style>
+          <a:lnRef idx="2">
+            <a:schemeClr val="accent2"/>
+          </a:lnRef>
+          <a:fillRef idx="1">
+            <a:schemeClr val="lt1"/>
+          </a:fillRef>
+          <a:effectRef idx="0">
+            <a:schemeClr val="accent2"/>
+          </a:effectRef>
+          <a:fontRef idx="minor">
+            <a:schemeClr val="dk1"/>
+          </a:fontRef>
+        </p:style>
+        <p:txBody>
+          <a:bodyPr rtlCol="0" anchor="ctr"/>
+          <a:lstStyle/>
+          <a:p>
+            <a:pPr algn="ctr"/>
+            <a:endParaRPr lang="ko-KR" altLang="en-US"/>
+          </a:p>
+        </p:txBody>
+      </p:sp>
+      <p:sp>
+        <p:nvSpPr>
+          <p:cNvPr id="13" name="타원 12">
+            <a:extLst>
+              <a:ext uri="{FF2B5EF4-FFF2-40B4-BE49-F238E27FC236}">
+                <a16:creationId xmlns:a16="http://schemas.microsoft.com/office/drawing/2014/main" id="{83D37378-FDCB-47FF-88BA-2AD5BF042D32}"/>
+              </a:ext>
+            </a:extLst>
+          </p:cNvPr>
+          <p:cNvSpPr/>
+          <p:nvPr/>
+        </p:nvSpPr>
+        <p:spPr>
+          <a:xfrm>
+            <a:off x="2804719" y="791362"/>
+            <a:ext cx="132825" cy="132825"/>
+          </a:xfrm>
+          <a:prstGeom prst="ellipse">
+            <a:avLst/>
+          </a:prstGeom>
+          <a:solidFill>
+            <a:srgbClr val="FF0000"/>
+          </a:solidFill>
+        </p:spPr>
+        <p:style>
+          <a:lnRef idx="2">
+            <a:schemeClr val="accent2"/>
+          </a:lnRef>
+          <a:fillRef idx="1">
+            <a:schemeClr val="lt1"/>
+          </a:fillRef>
+          <a:effectRef idx="0">
+            <a:schemeClr val="accent2"/>
+          </a:effectRef>
+          <a:fontRef idx="minor">
+            <a:schemeClr val="dk1"/>
+          </a:fontRef>
+        </p:style>
+        <p:txBody>
+          <a:bodyPr rtlCol="0" anchor="ctr"/>
+          <a:lstStyle/>
+          <a:p>
+            <a:pPr algn="ctr"/>
+            <a:endParaRPr lang="ko-KR" altLang="en-US"/>
+          </a:p>
+        </p:txBody>
+      </p:sp>
+      <p:sp>
+        <p:nvSpPr>
+          <p:cNvPr id="14" name="타원 13">
+            <a:extLst>
+              <a:ext uri="{FF2B5EF4-FFF2-40B4-BE49-F238E27FC236}">
+                <a16:creationId xmlns:a16="http://schemas.microsoft.com/office/drawing/2014/main" id="{32ED5E43-3FAE-4B84-8719-D89ABFA0B9FC}"/>
+              </a:ext>
+            </a:extLst>
+          </p:cNvPr>
+          <p:cNvSpPr/>
+          <p:nvPr/>
+        </p:nvSpPr>
+        <p:spPr>
+          <a:xfrm>
+            <a:off x="7677325" y="6125362"/>
+            <a:ext cx="149603" cy="149603"/>
+          </a:xfrm>
+          <a:prstGeom prst="ellipse">
+            <a:avLst/>
+          </a:prstGeom>
+          <a:solidFill>
+            <a:srgbClr val="FF0000"/>
+          </a:solidFill>
+        </p:spPr>
+        <p:style>
+          <a:lnRef idx="2">
+            <a:schemeClr val="accent2"/>
+          </a:lnRef>
+          <a:fillRef idx="1">
+            <a:schemeClr val="lt1"/>
+          </a:fillRef>
+          <a:effectRef idx="0">
+            <a:schemeClr val="accent2"/>
+          </a:effectRef>
+          <a:fontRef idx="minor">
+            <a:schemeClr val="dk1"/>
+          </a:fontRef>
+        </p:style>
+        <p:txBody>
+          <a:bodyPr rtlCol="0" anchor="ctr"/>
+          <a:lstStyle/>
+          <a:p>
+            <a:pPr algn="ctr"/>
+            <a:endParaRPr lang="ko-KR" altLang="en-US"/>
+          </a:p>
+        </p:txBody>
+      </p:sp>
+      <p:sp>
+        <p:nvSpPr>
+          <p:cNvPr id="15" name="타원 14">
+            <a:extLst>
+              <a:ext uri="{FF2B5EF4-FFF2-40B4-BE49-F238E27FC236}">
+                <a16:creationId xmlns:a16="http://schemas.microsoft.com/office/drawing/2014/main" id="{16C4273D-66DE-4526-A050-F57FE32107EB}"/>
+              </a:ext>
+            </a:extLst>
+          </p:cNvPr>
+          <p:cNvSpPr/>
+          <p:nvPr/>
+        </p:nvSpPr>
+        <p:spPr>
+          <a:xfrm>
+            <a:off x="5648500" y="6708397"/>
+            <a:ext cx="149603" cy="149603"/>
+          </a:xfrm>
+          <a:prstGeom prst="ellipse">
+            <a:avLst/>
+          </a:prstGeom>
+          <a:solidFill>
+            <a:srgbClr val="FF0000"/>
+          </a:solidFill>
+        </p:spPr>
+        <p:style>
+          <a:lnRef idx="2">
+            <a:schemeClr val="accent2"/>
+          </a:lnRef>
+          <a:fillRef idx="1">
+            <a:schemeClr val="lt1"/>
+          </a:fillRef>
+          <a:effectRef idx="0">
+            <a:schemeClr val="accent2"/>
+          </a:effectRef>
+          <a:fontRef idx="minor">
+            <a:schemeClr val="dk1"/>
+          </a:fontRef>
+        </p:style>
+        <p:txBody>
+          <a:bodyPr rtlCol="0" anchor="ctr"/>
+          <a:lstStyle/>
+          <a:p>
+            <a:pPr algn="ctr"/>
+            <a:endParaRPr lang="ko-KR" altLang="en-US"/>
+          </a:p>
+        </p:txBody>
+      </p:sp>
+      <p:sp>
+        <p:nvSpPr>
+          <p:cNvPr id="16" name="타원 15">
+            <a:extLst>
+              <a:ext uri="{FF2B5EF4-FFF2-40B4-BE49-F238E27FC236}">
+                <a16:creationId xmlns:a16="http://schemas.microsoft.com/office/drawing/2014/main" id="{4C66AF53-719C-47CD-9F27-229B9BC4A6B4}"/>
+              </a:ext>
+            </a:extLst>
+          </p:cNvPr>
+          <p:cNvSpPr/>
+          <p:nvPr/>
+        </p:nvSpPr>
+        <p:spPr>
+          <a:xfrm>
+            <a:off x="7429675" y="5070097"/>
+            <a:ext cx="149603" cy="149603"/>
+          </a:xfrm>
+          <a:prstGeom prst="ellipse">
+            <a:avLst/>
+          </a:prstGeom>
+          <a:solidFill>
+            <a:srgbClr val="FF0000"/>
+          </a:solidFill>
+        </p:spPr>
+        <p:style>
+          <a:lnRef idx="2">
+            <a:schemeClr val="accent2"/>
+          </a:lnRef>
+          <a:fillRef idx="1">
+            <a:schemeClr val="lt1"/>
+          </a:fillRef>
+          <a:effectRef idx="0">
+            <a:schemeClr val="accent2"/>
+          </a:effectRef>
+          <a:fontRef idx="minor">
+            <a:schemeClr val="dk1"/>
+          </a:fontRef>
+        </p:style>
+        <p:txBody>
+          <a:bodyPr rtlCol="0" anchor="ctr"/>
+          <a:lstStyle/>
+          <a:p>
+            <a:pPr algn="ctr"/>
+            <a:endParaRPr lang="ko-KR" altLang="en-US"/>
+          </a:p>
+        </p:txBody>
+      </p:sp>
+      <p:sp>
+        <p:nvSpPr>
+          <p:cNvPr id="17" name="타원 16">
+            <a:extLst>
+              <a:ext uri="{FF2B5EF4-FFF2-40B4-BE49-F238E27FC236}">
+                <a16:creationId xmlns:a16="http://schemas.microsoft.com/office/drawing/2014/main" id="{2D9470C6-7C06-4B08-9696-3A9ECEDA5792}"/>
+              </a:ext>
+            </a:extLst>
+          </p:cNvPr>
+          <p:cNvSpPr/>
+          <p:nvPr/>
+        </p:nvSpPr>
+        <p:spPr>
+          <a:xfrm>
+            <a:off x="5573698" y="5219700"/>
+            <a:ext cx="149603" cy="149603"/>
+          </a:xfrm>
+          <a:prstGeom prst="ellipse">
+            <a:avLst/>
+          </a:prstGeom>
+          <a:solidFill>
+            <a:srgbClr val="FF0000"/>
+          </a:solidFill>
+        </p:spPr>
+        <p:style>
+          <a:lnRef idx="2">
+            <a:schemeClr val="accent2"/>
+          </a:lnRef>
+          <a:fillRef idx="1">
+            <a:schemeClr val="lt1"/>
+          </a:fillRef>
+          <a:effectRef idx="0">
+            <a:schemeClr val="accent2"/>
+          </a:effectRef>
+          <a:fontRef idx="minor">
+            <a:schemeClr val="dk1"/>
+          </a:fontRef>
+        </p:style>
+        <p:txBody>
+          <a:bodyPr rtlCol="0" anchor="ctr"/>
+          <a:lstStyle/>
+          <a:p>
+            <a:pPr algn="ctr"/>
+            <a:endParaRPr lang="ko-KR" altLang="en-US"/>
+          </a:p>
+        </p:txBody>
+      </p:sp>
+      <p:sp>
+        <p:nvSpPr>
+          <p:cNvPr id="18" name="타원 17">
+            <a:extLst>
+              <a:ext uri="{FF2B5EF4-FFF2-40B4-BE49-F238E27FC236}">
+                <a16:creationId xmlns:a16="http://schemas.microsoft.com/office/drawing/2014/main" id="{8C51EBB3-0557-4C53-8637-2E69896F4021}"/>
+              </a:ext>
+            </a:extLst>
+          </p:cNvPr>
+          <p:cNvSpPr/>
+          <p:nvPr/>
+        </p:nvSpPr>
+        <p:spPr>
+          <a:xfrm>
+            <a:off x="7930393" y="3199002"/>
+            <a:ext cx="132825" cy="132825"/>
+          </a:xfrm>
+          <a:prstGeom prst="ellipse">
+            <a:avLst/>
+          </a:prstGeom>
+          <a:solidFill>
+            <a:srgbClr val="FF0000"/>
+          </a:solidFill>
+        </p:spPr>
+        <p:style>
+          <a:lnRef idx="2">
+            <a:schemeClr val="accent2"/>
+          </a:lnRef>
+          <a:fillRef idx="1">
+            <a:schemeClr val="lt1"/>
+          </a:fillRef>
+          <a:effectRef idx="0">
+            <a:schemeClr val="accent2"/>
+          </a:effectRef>
+          <a:fontRef idx="minor">
+            <a:schemeClr val="dk1"/>
+          </a:fontRef>
+        </p:style>
+        <p:txBody>
+          <a:bodyPr rtlCol="0" anchor="ctr"/>
+          <a:lstStyle/>
+          <a:p>
+            <a:pPr algn="ctr"/>
             <a:endParaRPr lang="ko-KR" altLang="en-US"/>
           </a:p>
         </p:txBody>
@@ -3380,7 +3987,7 @@
     </p:spTree>
     <p:extLst>
       <p:ext uri="{BB962C8B-B14F-4D97-AF65-F5344CB8AC3E}">
-        <p14:creationId xmlns:p14="http://schemas.microsoft.com/office/powerpoint/2010/main" val="2178274864"/>
+        <p14:creationId xmlns:p14="http://schemas.microsoft.com/office/powerpoint/2010/main" val="3292354052"/>
       </p:ext>
     </p:extLst>
   </p:cSld>
@@ -3409,10 +4016,10 @@
       </p:grpSpPr>
       <p:pic>
         <p:nvPicPr>
-          <p:cNvPr id="5" name="그림 4">
-            <a:extLst>
-              <a:ext uri="{FF2B5EF4-FFF2-40B4-BE49-F238E27FC236}">
-                <a16:creationId xmlns:a16="http://schemas.microsoft.com/office/drawing/2014/main" id="{4AE52252-3409-4023-9664-7B64848FFAA5}"/>
+          <p:cNvPr id="4" name="그림 3">
+            <a:extLst>
+              <a:ext uri="{FF2B5EF4-FFF2-40B4-BE49-F238E27FC236}">
+                <a16:creationId xmlns:a16="http://schemas.microsoft.com/office/drawing/2014/main" id="{F3F746B3-E5D6-48DE-A46D-AB0E407A384A}"/>
               </a:ext>
             </a:extLst>
           </p:cNvPr>
@@ -3421,22 +4028,15 @@
           </p:cNvPicPr>
           <p:nvPr/>
         </p:nvPicPr>
-        <p:blipFill>
-          <a:blip r:embed="rId2">
-            <a:extLst>
-              <a:ext uri="{28A0092B-C50C-407E-A947-70E740481C1C}">
-                <a14:useLocalDpi xmlns:a14="http://schemas.microsoft.com/office/drawing/2010/main" val="0"/>
-              </a:ext>
-            </a:extLst>
-          </a:blip>
-          <a:stretch>
-            <a:fillRect/>
-          </a:stretch>
+        <p:blipFill rotWithShape="1">
+          <a:blip r:embed="rId2"/>
+          <a:srcRect l="17409" t="5713" r="22523" b="12049"/>
+          <a:stretch/>
         </p:blipFill>
         <p:spPr>
           <a:xfrm>
-            <a:off x="0" y="0"/>
-            <a:ext cx="12192000" cy="6858000"/>
+            <a:off x="1526796" y="0"/>
+            <a:ext cx="8905492" cy="6858000"/>
           </a:xfrm>
           <a:prstGeom prst="rect">
             <a:avLst/>
@@ -3445,10 +4045,10 @@
       </p:pic>
       <p:sp>
         <p:nvSpPr>
-          <p:cNvPr id="6" name="타원 5">
-            <a:extLst>
-              <a:ext uri="{FF2B5EF4-FFF2-40B4-BE49-F238E27FC236}">
-                <a16:creationId xmlns:a16="http://schemas.microsoft.com/office/drawing/2014/main" id="{7DC915DD-C5D4-4568-A097-42CDF3D6E26F}"/>
+          <p:cNvPr id="5" name="타원 4">
+            <a:extLst>
+              <a:ext uri="{FF2B5EF4-FFF2-40B4-BE49-F238E27FC236}">
+                <a16:creationId xmlns:a16="http://schemas.microsoft.com/office/drawing/2014/main" id="{13941166-05CD-425A-95A5-2B6FEAA88829}"/>
               </a:ext>
             </a:extLst>
           </p:cNvPr>
@@ -3457,8 +4057,8 @@
         </p:nvSpPr>
         <p:spPr>
           <a:xfrm>
-            <a:off x="5872294" y="4496500"/>
-            <a:ext cx="260058" cy="260058"/>
+            <a:off x="3601673" y="3157057"/>
+            <a:ext cx="132825" cy="132825"/>
           </a:xfrm>
           <a:prstGeom prst="ellipse">
             <a:avLst/>
@@ -3492,10 +4092,10 @@
       </p:sp>
       <p:sp>
         <p:nvSpPr>
-          <p:cNvPr id="7" name="타원 6">
-            <a:extLst>
-              <a:ext uri="{FF2B5EF4-FFF2-40B4-BE49-F238E27FC236}">
-                <a16:creationId xmlns:a16="http://schemas.microsoft.com/office/drawing/2014/main" id="{3478AFAB-DC9E-49E3-8F0B-EF49D27EB45B}"/>
+          <p:cNvPr id="6" name="타원 5">
+            <a:extLst>
+              <a:ext uri="{FF2B5EF4-FFF2-40B4-BE49-F238E27FC236}">
+                <a16:creationId xmlns:a16="http://schemas.microsoft.com/office/drawing/2014/main" id="{6786C3AF-412D-4006-A84E-AD09B02FA94E}"/>
               </a:ext>
             </a:extLst>
           </p:cNvPr>
@@ -3504,7 +4104,7 @@
         </p:nvSpPr>
         <p:spPr>
           <a:xfrm>
-            <a:off x="7132041" y="2870434"/>
+            <a:off x="9153788" y="2341927"/>
             <a:ext cx="132825" cy="132825"/>
           </a:xfrm>
           <a:prstGeom prst="ellipse">
@@ -3539,10 +4139,10 @@
       </p:sp>
       <p:sp>
         <p:nvSpPr>
-          <p:cNvPr id="8" name="타원 7">
-            <a:extLst>
-              <a:ext uri="{FF2B5EF4-FFF2-40B4-BE49-F238E27FC236}">
-                <a16:creationId xmlns:a16="http://schemas.microsoft.com/office/drawing/2014/main" id="{77D5814E-E46F-4DC8-9331-4976F13B6E9E}"/>
+          <p:cNvPr id="7" name="타원 6">
+            <a:extLst>
+              <a:ext uri="{FF2B5EF4-FFF2-40B4-BE49-F238E27FC236}">
+                <a16:creationId xmlns:a16="http://schemas.microsoft.com/office/drawing/2014/main" id="{4AEE0F38-14EC-4CE2-9C24-E4500BA5B9B5}"/>
               </a:ext>
             </a:extLst>
           </p:cNvPr>
@@ -3551,7 +4151,7 @@
         </p:nvSpPr>
         <p:spPr>
           <a:xfrm>
-            <a:off x="9138408" y="2922166"/>
+            <a:off x="9750804" y="3123501"/>
             <a:ext cx="132825" cy="132825"/>
           </a:xfrm>
           <a:prstGeom prst="ellipse">
@@ -3586,10 +4186,10 @@
       </p:sp>
       <p:sp>
         <p:nvSpPr>
-          <p:cNvPr id="9" name="타원 8">
-            <a:extLst>
-              <a:ext uri="{FF2B5EF4-FFF2-40B4-BE49-F238E27FC236}">
-                <a16:creationId xmlns:a16="http://schemas.microsoft.com/office/drawing/2014/main" id="{8DC96C4A-A7B9-432E-8D57-411B7E313ED6}"/>
+          <p:cNvPr id="8" name="타원 7">
+            <a:extLst>
+              <a:ext uri="{FF2B5EF4-FFF2-40B4-BE49-F238E27FC236}">
+                <a16:creationId xmlns:a16="http://schemas.microsoft.com/office/drawing/2014/main" id="{9960661B-1AC9-4AE2-BDDE-6DC99A016095}"/>
               </a:ext>
             </a:extLst>
           </p:cNvPr>
@@ -3598,7 +4198,7 @@
         </p:nvSpPr>
         <p:spPr>
           <a:xfrm>
-            <a:off x="4608353" y="4474129"/>
+            <a:off x="7930393" y="2469160"/>
             <a:ext cx="132825" cy="132825"/>
           </a:xfrm>
           <a:prstGeom prst="ellipse">
@@ -3633,10 +4233,10 @@
       </p:sp>
       <p:sp>
         <p:nvSpPr>
-          <p:cNvPr id="10" name="타원 9">
-            <a:extLst>
-              <a:ext uri="{FF2B5EF4-FFF2-40B4-BE49-F238E27FC236}">
-                <a16:creationId xmlns:a16="http://schemas.microsoft.com/office/drawing/2014/main" id="{CB32C23A-0967-46E7-BBB7-F607A3E086AE}"/>
+          <p:cNvPr id="9" name="타원 8">
+            <a:extLst>
+              <a:ext uri="{FF2B5EF4-FFF2-40B4-BE49-F238E27FC236}">
+                <a16:creationId xmlns:a16="http://schemas.microsoft.com/office/drawing/2014/main" id="{658230C9-73CC-488F-9233-31463DF19C70}"/>
               </a:ext>
             </a:extLst>
           </p:cNvPr>
@@ -3645,55 +4245,8 @@
         </p:nvSpPr>
         <p:spPr>
           <a:xfrm>
-            <a:off x="2671894" y="6564386"/>
-            <a:ext cx="132825" cy="132825"/>
-          </a:xfrm>
-          <a:prstGeom prst="ellipse">
-            <a:avLst/>
-          </a:prstGeom>
-          <a:solidFill>
-            <a:srgbClr val="FF0000"/>
-          </a:solidFill>
-        </p:spPr>
-        <p:style>
-          <a:lnRef idx="2">
-            <a:schemeClr val="accent2"/>
-          </a:lnRef>
-          <a:fillRef idx="1">
-            <a:schemeClr val="lt1"/>
-          </a:fillRef>
-          <a:effectRef idx="0">
-            <a:schemeClr val="accent2"/>
-          </a:effectRef>
-          <a:fontRef idx="minor">
-            <a:schemeClr val="dk1"/>
-          </a:fontRef>
-        </p:style>
-        <p:txBody>
-          <a:bodyPr rtlCol="0" anchor="ctr"/>
-          <a:lstStyle/>
-          <a:p>
-            <a:pPr algn="ctr"/>
-            <a:endParaRPr lang="ko-KR" altLang="en-US"/>
-          </a:p>
-        </p:txBody>
-      </p:sp>
-      <p:sp>
-        <p:nvSpPr>
-          <p:cNvPr id="11" name="타원 10">
-            <a:extLst>
-              <a:ext uri="{FF2B5EF4-FFF2-40B4-BE49-F238E27FC236}">
-                <a16:creationId xmlns:a16="http://schemas.microsoft.com/office/drawing/2014/main" id="{3441B95C-A444-4E49-B0D6-EAB6151A7B4E}"/>
-              </a:ext>
-            </a:extLst>
-          </p:cNvPr>
-          <p:cNvSpPr/>
-          <p:nvPr/>
-        </p:nvSpPr>
-        <p:spPr>
-          <a:xfrm>
-            <a:off x="6502868" y="5546523"/>
-            <a:ext cx="157992" cy="90880"/>
+            <a:off x="7776324" y="4612432"/>
+            <a:ext cx="130572" cy="133058"/>
           </a:xfrm>
           <a:prstGeom prst="ellipse">
             <a:avLst/>
@@ -3732,10 +4285,10 @@
       </p:sp>
       <p:sp>
         <p:nvSpPr>
-          <p:cNvPr id="12" name="타원 11">
-            <a:extLst>
-              <a:ext uri="{FF2B5EF4-FFF2-40B4-BE49-F238E27FC236}">
-                <a16:creationId xmlns:a16="http://schemas.microsoft.com/office/drawing/2014/main" id="{C507BBC3-2762-4E34-B8BB-FCC583CDABB3}"/>
+          <p:cNvPr id="10" name="타원 9">
+            <a:extLst>
+              <a:ext uri="{FF2B5EF4-FFF2-40B4-BE49-F238E27FC236}">
+                <a16:creationId xmlns:a16="http://schemas.microsoft.com/office/drawing/2014/main" id="{6C549119-23D7-4655-BA61-A8AA71559A4E}"/>
               </a:ext>
             </a:extLst>
           </p:cNvPr>
@@ -3744,8 +4297,196 @@
         </p:nvSpPr>
         <p:spPr>
           <a:xfrm>
-            <a:off x="8425345" y="4809690"/>
-            <a:ext cx="157992" cy="90880"/>
+            <a:off x="4733013" y="4336459"/>
+            <a:ext cx="123639" cy="123639"/>
+          </a:xfrm>
+          <a:prstGeom prst="ellipse">
+            <a:avLst/>
+          </a:prstGeom>
+          <a:solidFill>
+            <a:srgbClr val="FF0000"/>
+          </a:solidFill>
+        </p:spPr>
+        <p:style>
+          <a:lnRef idx="2">
+            <a:schemeClr val="accent2"/>
+          </a:lnRef>
+          <a:fillRef idx="1">
+            <a:schemeClr val="lt1"/>
+          </a:fillRef>
+          <a:effectRef idx="0">
+            <a:schemeClr val="accent2"/>
+          </a:effectRef>
+          <a:fontRef idx="minor">
+            <a:schemeClr val="dk1"/>
+          </a:fontRef>
+        </p:style>
+        <p:txBody>
+          <a:bodyPr rtlCol="0" anchor="ctr"/>
+          <a:lstStyle/>
+          <a:p>
+            <a:pPr algn="ctr"/>
+            <a:endParaRPr lang="ko-KR" altLang="en-US"/>
+          </a:p>
+        </p:txBody>
+      </p:sp>
+      <p:sp>
+        <p:nvSpPr>
+          <p:cNvPr id="11" name="타원 10">
+            <a:extLst>
+              <a:ext uri="{FF2B5EF4-FFF2-40B4-BE49-F238E27FC236}">
+                <a16:creationId xmlns:a16="http://schemas.microsoft.com/office/drawing/2014/main" id="{1003798A-08BF-45D6-8935-4B7306A4B697}"/>
+              </a:ext>
+            </a:extLst>
+          </p:cNvPr>
+          <p:cNvSpPr/>
+          <p:nvPr/>
+        </p:nvSpPr>
+        <p:spPr>
+          <a:xfrm>
+            <a:off x="7013197" y="3926049"/>
+            <a:ext cx="260058" cy="260058"/>
+          </a:xfrm>
+          <a:prstGeom prst="ellipse">
+            <a:avLst/>
+          </a:prstGeom>
+          <a:solidFill>
+            <a:srgbClr val="FF0000"/>
+          </a:solidFill>
+        </p:spPr>
+        <p:style>
+          <a:lnRef idx="2">
+            <a:schemeClr val="accent2"/>
+          </a:lnRef>
+          <a:fillRef idx="1">
+            <a:schemeClr val="lt1"/>
+          </a:fillRef>
+          <a:effectRef idx="0">
+            <a:schemeClr val="accent2"/>
+          </a:effectRef>
+          <a:fontRef idx="minor">
+            <a:schemeClr val="dk1"/>
+          </a:fontRef>
+        </p:style>
+        <p:txBody>
+          <a:bodyPr rtlCol="0" anchor="ctr"/>
+          <a:lstStyle/>
+          <a:p>
+            <a:pPr algn="ctr"/>
+            <a:endParaRPr lang="ko-KR" altLang="en-US"/>
+          </a:p>
+        </p:txBody>
+      </p:sp>
+      <p:sp>
+        <p:nvSpPr>
+          <p:cNvPr id="12" name="타원 11">
+            <a:extLst>
+              <a:ext uri="{FF2B5EF4-FFF2-40B4-BE49-F238E27FC236}">
+                <a16:creationId xmlns:a16="http://schemas.microsoft.com/office/drawing/2014/main" id="{F4658783-D3C7-4A91-9F2B-126B9850A03D}"/>
+              </a:ext>
+            </a:extLst>
+          </p:cNvPr>
+          <p:cNvSpPr/>
+          <p:nvPr/>
+        </p:nvSpPr>
+        <p:spPr>
+          <a:xfrm>
+            <a:off x="6537821" y="5245916"/>
+            <a:ext cx="132825" cy="132825"/>
+          </a:xfrm>
+          <a:prstGeom prst="ellipse">
+            <a:avLst/>
+          </a:prstGeom>
+          <a:solidFill>
+            <a:srgbClr val="FF0000"/>
+          </a:solidFill>
+        </p:spPr>
+        <p:style>
+          <a:lnRef idx="2">
+            <a:schemeClr val="accent2"/>
+          </a:lnRef>
+          <a:fillRef idx="1">
+            <a:schemeClr val="lt1"/>
+          </a:fillRef>
+          <a:effectRef idx="0">
+            <a:schemeClr val="accent2"/>
+          </a:effectRef>
+          <a:fontRef idx="minor">
+            <a:schemeClr val="dk1"/>
+          </a:fontRef>
+        </p:style>
+        <p:txBody>
+          <a:bodyPr rtlCol="0" anchor="ctr"/>
+          <a:lstStyle/>
+          <a:p>
+            <a:pPr algn="ctr"/>
+            <a:endParaRPr lang="ko-KR" altLang="en-US"/>
+          </a:p>
+        </p:txBody>
+      </p:sp>
+      <p:sp>
+        <p:nvSpPr>
+          <p:cNvPr id="13" name="타원 12">
+            <a:extLst>
+              <a:ext uri="{FF2B5EF4-FFF2-40B4-BE49-F238E27FC236}">
+                <a16:creationId xmlns:a16="http://schemas.microsoft.com/office/drawing/2014/main" id="{8D37633F-52EE-4883-9279-6F9832FBAA5B}"/>
+              </a:ext>
+            </a:extLst>
+          </p:cNvPr>
+          <p:cNvSpPr/>
+          <p:nvPr/>
+        </p:nvSpPr>
+        <p:spPr>
+          <a:xfrm>
+            <a:off x="9153788" y="3851247"/>
+            <a:ext cx="149603" cy="149603"/>
+          </a:xfrm>
+          <a:prstGeom prst="ellipse">
+            <a:avLst/>
+          </a:prstGeom>
+          <a:solidFill>
+            <a:srgbClr val="FF0000"/>
+          </a:solidFill>
+        </p:spPr>
+        <p:style>
+          <a:lnRef idx="2">
+            <a:schemeClr val="accent2"/>
+          </a:lnRef>
+          <a:fillRef idx="1">
+            <a:schemeClr val="lt1"/>
+          </a:fillRef>
+          <a:effectRef idx="0">
+            <a:schemeClr val="accent2"/>
+          </a:effectRef>
+          <a:fontRef idx="minor">
+            <a:schemeClr val="dk1"/>
+          </a:fontRef>
+        </p:style>
+        <p:txBody>
+          <a:bodyPr rtlCol="0" anchor="ctr"/>
+          <a:lstStyle/>
+          <a:p>
+            <a:pPr algn="ctr"/>
+            <a:endParaRPr lang="ko-KR" altLang="en-US"/>
+          </a:p>
+        </p:txBody>
+      </p:sp>
+      <p:sp>
+        <p:nvSpPr>
+          <p:cNvPr id="14" name="타원 13">
+            <a:extLst>
+              <a:ext uri="{FF2B5EF4-FFF2-40B4-BE49-F238E27FC236}">
+                <a16:creationId xmlns:a16="http://schemas.microsoft.com/office/drawing/2014/main" id="{51BC5130-0715-4BB2-B2A4-7AC433E80708}"/>
+              </a:ext>
+            </a:extLst>
+          </p:cNvPr>
+          <p:cNvSpPr/>
+          <p:nvPr/>
+        </p:nvSpPr>
+        <p:spPr>
+          <a:xfrm>
+            <a:off x="7958390" y="5464687"/>
+            <a:ext cx="113727" cy="93760"/>
           </a:xfrm>
           <a:prstGeom prst="ellipse">
             <a:avLst/>
@@ -3784,10 +4525,10 @@
       </p:sp>
       <p:sp>
         <p:nvSpPr>
-          <p:cNvPr id="13" name="타원 12">
-            <a:extLst>
-              <a:ext uri="{FF2B5EF4-FFF2-40B4-BE49-F238E27FC236}">
-                <a16:creationId xmlns:a16="http://schemas.microsoft.com/office/drawing/2014/main" id="{83D37378-FDCB-47FF-88BA-2AD5BF042D32}"/>
+          <p:cNvPr id="15" name="타원 14">
+            <a:extLst>
+              <a:ext uri="{FF2B5EF4-FFF2-40B4-BE49-F238E27FC236}">
+                <a16:creationId xmlns:a16="http://schemas.microsoft.com/office/drawing/2014/main" id="{88027800-A91D-4179-8DB7-56BA1747ADFA}"/>
               </a:ext>
             </a:extLst>
           </p:cNvPr>
@@ -3796,8 +4537,8 @@
         </p:nvSpPr>
         <p:spPr>
           <a:xfrm>
-            <a:off x="2804719" y="791362"/>
-            <a:ext cx="132825" cy="132825"/>
+            <a:off x="8607047" y="5545066"/>
+            <a:ext cx="102181" cy="102181"/>
           </a:xfrm>
           <a:prstGeom prst="ellipse">
             <a:avLst/>
@@ -3831,10 +4572,10 @@
       </p:sp>
       <p:sp>
         <p:nvSpPr>
-          <p:cNvPr id="14" name="타원 13">
-            <a:extLst>
-              <a:ext uri="{FF2B5EF4-FFF2-40B4-BE49-F238E27FC236}">
-                <a16:creationId xmlns:a16="http://schemas.microsoft.com/office/drawing/2014/main" id="{32ED5E43-3FAE-4B84-8719-D89ABFA0B9FC}"/>
+          <p:cNvPr id="16" name="타원 15">
+            <a:extLst>
+              <a:ext uri="{FF2B5EF4-FFF2-40B4-BE49-F238E27FC236}">
+                <a16:creationId xmlns:a16="http://schemas.microsoft.com/office/drawing/2014/main" id="{CBF25249-0A85-49C5-8D49-D2AB002A67FB}"/>
               </a:ext>
             </a:extLst>
           </p:cNvPr>
@@ -3843,7 +4584,7 @@
         </p:nvSpPr>
         <p:spPr>
           <a:xfrm>
-            <a:off x="7677325" y="6125362"/>
+            <a:off x="9303391" y="6230224"/>
             <a:ext cx="149603" cy="149603"/>
           </a:xfrm>
           <a:prstGeom prst="ellipse">
@@ -3878,10 +4619,10 @@
       </p:sp>
       <p:sp>
         <p:nvSpPr>
-          <p:cNvPr id="15" name="타원 14">
-            <a:extLst>
-              <a:ext uri="{FF2B5EF4-FFF2-40B4-BE49-F238E27FC236}">
-                <a16:creationId xmlns:a16="http://schemas.microsoft.com/office/drawing/2014/main" id="{16C4273D-66DE-4526-A050-F57FE32107EB}"/>
+          <p:cNvPr id="17" name="타원 16">
+            <a:extLst>
+              <a:ext uri="{FF2B5EF4-FFF2-40B4-BE49-F238E27FC236}">
+                <a16:creationId xmlns:a16="http://schemas.microsoft.com/office/drawing/2014/main" id="{B8C6E41D-2F48-4B8D-9A9C-AECA9E163CE6}"/>
               </a:ext>
             </a:extLst>
           </p:cNvPr>
@@ -3890,8 +4631,8 @@
         </p:nvSpPr>
         <p:spPr>
           <a:xfrm>
-            <a:off x="5648500" y="6708397"/>
-            <a:ext cx="149603" cy="149603"/>
+            <a:off x="6312716" y="6195270"/>
+            <a:ext cx="132825" cy="132825"/>
           </a:xfrm>
           <a:prstGeom prst="ellipse">
             <a:avLst/>
@@ -3925,10 +4666,10 @@
       </p:sp>
       <p:sp>
         <p:nvSpPr>
-          <p:cNvPr id="16" name="타원 15">
-            <a:extLst>
-              <a:ext uri="{FF2B5EF4-FFF2-40B4-BE49-F238E27FC236}">
-                <a16:creationId xmlns:a16="http://schemas.microsoft.com/office/drawing/2014/main" id="{4C66AF53-719C-47CD-9F27-229B9BC4A6B4}"/>
+          <p:cNvPr id="18" name="타원 17">
+            <a:extLst>
+              <a:ext uri="{FF2B5EF4-FFF2-40B4-BE49-F238E27FC236}">
+                <a16:creationId xmlns:a16="http://schemas.microsoft.com/office/drawing/2014/main" id="{1A60895E-5CA7-47A7-9CB5-17FD314C3A68}"/>
               </a:ext>
             </a:extLst>
           </p:cNvPr>
@@ -3937,15 +4678,18 @@
         </p:nvSpPr>
         <p:spPr>
           <a:xfrm>
-            <a:off x="7429675" y="5070097"/>
-            <a:ext cx="149603" cy="149603"/>
+            <a:off x="7777993" y="3164048"/>
+            <a:ext cx="99269" cy="99269"/>
           </a:xfrm>
           <a:prstGeom prst="ellipse">
             <a:avLst/>
           </a:prstGeom>
-          <a:solidFill>
-            <a:srgbClr val="FF0000"/>
-          </a:solidFill>
+          <a:noFill/>
+          <a:ln>
+            <a:solidFill>
+              <a:srgbClr val="FF0000"/>
+            </a:solidFill>
+          </a:ln>
         </p:spPr>
         <p:style>
           <a:lnRef idx="2">
@@ -3972,10 +4716,10 @@
       </p:sp>
       <p:sp>
         <p:nvSpPr>
-          <p:cNvPr id="17" name="타원 16">
-            <a:extLst>
-              <a:ext uri="{FF2B5EF4-FFF2-40B4-BE49-F238E27FC236}">
-                <a16:creationId xmlns:a16="http://schemas.microsoft.com/office/drawing/2014/main" id="{2D9470C6-7C06-4B08-9696-3A9ECEDA5792}"/>
+          <p:cNvPr id="19" name="타원 18">
+            <a:extLst>
+              <a:ext uri="{FF2B5EF4-FFF2-40B4-BE49-F238E27FC236}">
+                <a16:creationId xmlns:a16="http://schemas.microsoft.com/office/drawing/2014/main" id="{643776F7-E97C-40E8-A4EA-8E0F97A5C4BB}"/>
               </a:ext>
             </a:extLst>
           </p:cNvPr>
@@ -3984,15 +4728,20 @@
         </p:nvSpPr>
         <p:spPr>
           <a:xfrm>
-            <a:off x="5573698" y="5219700"/>
-            <a:ext cx="149603" cy="149603"/>
+            <a:off x="6445542" y="2653718"/>
+            <a:ext cx="99269" cy="99269"/>
           </a:xfrm>
           <a:prstGeom prst="ellipse">
             <a:avLst/>
           </a:prstGeom>
           <a:solidFill>
-            <a:srgbClr val="FF0000"/>
+            <a:srgbClr val="FFFF00"/>
           </a:solidFill>
+          <a:ln>
+            <a:solidFill>
+              <a:srgbClr val="FF0000"/>
+            </a:solidFill>
+          </a:ln>
         </p:spPr>
         <p:style>
           <a:lnRef idx="2">
@@ -4013,6 +4762,406 @@
           <a:lstStyle/>
           <a:p>
             <a:pPr algn="ctr"/>
+            <a:endParaRPr lang="ko-KR" altLang="en-US" dirty="0"/>
+          </a:p>
+        </p:txBody>
+      </p:sp>
+      <p:sp>
+        <p:nvSpPr>
+          <p:cNvPr id="20" name="타원 19">
+            <a:extLst>
+              <a:ext uri="{FF2B5EF4-FFF2-40B4-BE49-F238E27FC236}">
+                <a16:creationId xmlns:a16="http://schemas.microsoft.com/office/drawing/2014/main" id="{34EBBD3F-1365-4AA0-8C55-DE65469BD64F}"/>
+              </a:ext>
+            </a:extLst>
+          </p:cNvPr>
+          <p:cNvSpPr/>
+          <p:nvPr/>
+        </p:nvSpPr>
+        <p:spPr>
+          <a:xfrm>
+            <a:off x="5507373" y="2881619"/>
+            <a:ext cx="99269" cy="99269"/>
+          </a:xfrm>
+          <a:prstGeom prst="ellipse">
+            <a:avLst/>
+          </a:prstGeom>
+          <a:noFill/>
+          <a:ln>
+            <a:solidFill>
+              <a:srgbClr val="FF0000"/>
+            </a:solidFill>
+          </a:ln>
+        </p:spPr>
+        <p:style>
+          <a:lnRef idx="2">
+            <a:schemeClr val="accent2"/>
+          </a:lnRef>
+          <a:fillRef idx="1">
+            <a:schemeClr val="lt1"/>
+          </a:fillRef>
+          <a:effectRef idx="0">
+            <a:schemeClr val="accent2"/>
+          </a:effectRef>
+          <a:fontRef idx="minor">
+            <a:schemeClr val="dk1"/>
+          </a:fontRef>
+        </p:style>
+        <p:txBody>
+          <a:bodyPr rtlCol="0" anchor="ctr"/>
+          <a:lstStyle/>
+          <a:p>
+            <a:pPr algn="ctr"/>
+            <a:endParaRPr lang="ko-KR" altLang="en-US"/>
+          </a:p>
+        </p:txBody>
+      </p:sp>
+      <p:sp>
+        <p:nvSpPr>
+          <p:cNvPr id="21" name="타원 20">
+            <a:extLst>
+              <a:ext uri="{FF2B5EF4-FFF2-40B4-BE49-F238E27FC236}">
+                <a16:creationId xmlns:a16="http://schemas.microsoft.com/office/drawing/2014/main" id="{D0538C85-4C1B-4894-876E-623D8CF0D915}"/>
+              </a:ext>
+            </a:extLst>
+          </p:cNvPr>
+          <p:cNvSpPr/>
+          <p:nvPr/>
+        </p:nvSpPr>
+        <p:spPr>
+          <a:xfrm>
+            <a:off x="4552426" y="2081869"/>
+            <a:ext cx="187354" cy="187354"/>
+          </a:xfrm>
+          <a:prstGeom prst="ellipse">
+            <a:avLst/>
+          </a:prstGeom>
+          <a:noFill/>
+          <a:ln>
+            <a:solidFill>
+              <a:srgbClr val="FF0000"/>
+            </a:solidFill>
+          </a:ln>
+        </p:spPr>
+        <p:style>
+          <a:lnRef idx="2">
+            <a:schemeClr val="accent2"/>
+          </a:lnRef>
+          <a:fillRef idx="1">
+            <a:schemeClr val="lt1"/>
+          </a:fillRef>
+          <a:effectRef idx="0">
+            <a:schemeClr val="accent2"/>
+          </a:effectRef>
+          <a:fontRef idx="minor">
+            <a:schemeClr val="dk1"/>
+          </a:fontRef>
+        </p:style>
+        <p:txBody>
+          <a:bodyPr rtlCol="0" anchor="ctr"/>
+          <a:lstStyle/>
+          <a:p>
+            <a:pPr algn="ctr"/>
+            <a:endParaRPr lang="ko-KR" altLang="en-US"/>
+          </a:p>
+        </p:txBody>
+      </p:sp>
+      <p:sp>
+        <p:nvSpPr>
+          <p:cNvPr id="22" name="타원 21">
+            <a:extLst>
+              <a:ext uri="{FF2B5EF4-FFF2-40B4-BE49-F238E27FC236}">
+                <a16:creationId xmlns:a16="http://schemas.microsoft.com/office/drawing/2014/main" id="{9D95E599-A901-4D21-A8DF-3A0E8D5C5C62}"/>
+              </a:ext>
+            </a:extLst>
+          </p:cNvPr>
+          <p:cNvSpPr/>
+          <p:nvPr/>
+        </p:nvSpPr>
+        <p:spPr>
+          <a:xfrm>
+            <a:off x="4458749" y="3429000"/>
+            <a:ext cx="187354" cy="187354"/>
+          </a:xfrm>
+          <a:prstGeom prst="ellipse">
+            <a:avLst/>
+          </a:prstGeom>
+          <a:noFill/>
+          <a:ln>
+            <a:solidFill>
+              <a:srgbClr val="FF0000"/>
+            </a:solidFill>
+          </a:ln>
+        </p:spPr>
+        <p:style>
+          <a:lnRef idx="2">
+            <a:schemeClr val="accent2"/>
+          </a:lnRef>
+          <a:fillRef idx="1">
+            <a:schemeClr val="lt1"/>
+          </a:fillRef>
+          <a:effectRef idx="0">
+            <a:schemeClr val="accent2"/>
+          </a:effectRef>
+          <a:fontRef idx="minor">
+            <a:schemeClr val="dk1"/>
+          </a:fontRef>
+        </p:style>
+        <p:txBody>
+          <a:bodyPr rtlCol="0" anchor="ctr"/>
+          <a:lstStyle/>
+          <a:p>
+            <a:pPr algn="ctr"/>
+            <a:endParaRPr lang="ko-KR" altLang="en-US"/>
+          </a:p>
+        </p:txBody>
+      </p:sp>
+      <p:sp>
+        <p:nvSpPr>
+          <p:cNvPr id="23" name="타원 22">
+            <a:extLst>
+              <a:ext uri="{FF2B5EF4-FFF2-40B4-BE49-F238E27FC236}">
+                <a16:creationId xmlns:a16="http://schemas.microsoft.com/office/drawing/2014/main" id="{497152DC-3A30-413E-A016-D3AACF09790F}"/>
+              </a:ext>
+            </a:extLst>
+          </p:cNvPr>
+          <p:cNvSpPr/>
+          <p:nvPr/>
+        </p:nvSpPr>
+        <p:spPr>
+          <a:xfrm>
+            <a:off x="5584272" y="1878435"/>
+            <a:ext cx="187354" cy="187354"/>
+          </a:xfrm>
+          <a:prstGeom prst="ellipse">
+            <a:avLst/>
+          </a:prstGeom>
+          <a:noFill/>
+          <a:ln>
+            <a:solidFill>
+              <a:srgbClr val="FF0000"/>
+            </a:solidFill>
+          </a:ln>
+        </p:spPr>
+        <p:style>
+          <a:lnRef idx="2">
+            <a:schemeClr val="accent2"/>
+          </a:lnRef>
+          <a:fillRef idx="1">
+            <a:schemeClr val="lt1"/>
+          </a:fillRef>
+          <a:effectRef idx="0">
+            <a:schemeClr val="accent2"/>
+          </a:effectRef>
+          <a:fontRef idx="minor">
+            <a:schemeClr val="dk1"/>
+          </a:fontRef>
+        </p:style>
+        <p:txBody>
+          <a:bodyPr rtlCol="0" anchor="ctr"/>
+          <a:lstStyle/>
+          <a:p>
+            <a:pPr algn="ctr"/>
+            <a:endParaRPr lang="ko-KR" altLang="en-US"/>
+          </a:p>
+        </p:txBody>
+      </p:sp>
+      <p:sp>
+        <p:nvSpPr>
+          <p:cNvPr id="24" name="타원 23">
+            <a:extLst>
+              <a:ext uri="{FF2B5EF4-FFF2-40B4-BE49-F238E27FC236}">
+                <a16:creationId xmlns:a16="http://schemas.microsoft.com/office/drawing/2014/main" id="{2674DBE3-8556-415B-8F2B-EE8F91D162DB}"/>
+              </a:ext>
+            </a:extLst>
+          </p:cNvPr>
+          <p:cNvSpPr/>
+          <p:nvPr/>
+        </p:nvSpPr>
+        <p:spPr>
+          <a:xfrm>
+            <a:off x="6684628" y="1846277"/>
+            <a:ext cx="187354" cy="187354"/>
+          </a:xfrm>
+          <a:prstGeom prst="ellipse">
+            <a:avLst/>
+          </a:prstGeom>
+          <a:noFill/>
+          <a:ln>
+            <a:solidFill>
+              <a:srgbClr val="FF0000"/>
+            </a:solidFill>
+          </a:ln>
+        </p:spPr>
+        <p:style>
+          <a:lnRef idx="2">
+            <a:schemeClr val="accent2"/>
+          </a:lnRef>
+          <a:fillRef idx="1">
+            <a:schemeClr val="lt1"/>
+          </a:fillRef>
+          <a:effectRef idx="0">
+            <a:schemeClr val="accent2"/>
+          </a:effectRef>
+          <a:fontRef idx="minor">
+            <a:schemeClr val="dk1"/>
+          </a:fontRef>
+        </p:style>
+        <p:txBody>
+          <a:bodyPr rtlCol="0" anchor="ctr"/>
+          <a:lstStyle/>
+          <a:p>
+            <a:pPr algn="ctr"/>
+            <a:endParaRPr lang="ko-KR" altLang="en-US"/>
+          </a:p>
+        </p:txBody>
+      </p:sp>
+      <p:sp>
+        <p:nvSpPr>
+          <p:cNvPr id="25" name="타원 24">
+            <a:extLst>
+              <a:ext uri="{FF2B5EF4-FFF2-40B4-BE49-F238E27FC236}">
+                <a16:creationId xmlns:a16="http://schemas.microsoft.com/office/drawing/2014/main" id="{04E2655C-9710-4732-90C3-25FBDCBD4591}"/>
+              </a:ext>
+            </a:extLst>
+          </p:cNvPr>
+          <p:cNvSpPr/>
+          <p:nvPr/>
+        </p:nvSpPr>
+        <p:spPr>
+          <a:xfrm>
+            <a:off x="7038364" y="958442"/>
+            <a:ext cx="187354" cy="187354"/>
+          </a:xfrm>
+          <a:prstGeom prst="ellipse">
+            <a:avLst/>
+          </a:prstGeom>
+          <a:noFill/>
+          <a:ln>
+            <a:solidFill>
+              <a:srgbClr val="FF0000"/>
+            </a:solidFill>
+          </a:ln>
+        </p:spPr>
+        <p:style>
+          <a:lnRef idx="2">
+            <a:schemeClr val="accent2"/>
+          </a:lnRef>
+          <a:fillRef idx="1">
+            <a:schemeClr val="lt1"/>
+          </a:fillRef>
+          <a:effectRef idx="0">
+            <a:schemeClr val="accent2"/>
+          </a:effectRef>
+          <a:fontRef idx="minor">
+            <a:schemeClr val="dk1"/>
+          </a:fontRef>
+        </p:style>
+        <p:txBody>
+          <a:bodyPr rtlCol="0" anchor="ctr"/>
+          <a:lstStyle/>
+          <a:p>
+            <a:pPr algn="ctr"/>
+            <a:endParaRPr lang="ko-KR" altLang="en-US"/>
+          </a:p>
+        </p:txBody>
+      </p:sp>
+      <p:sp>
+        <p:nvSpPr>
+          <p:cNvPr id="26" name="타원 25">
+            <a:extLst>
+              <a:ext uri="{FF2B5EF4-FFF2-40B4-BE49-F238E27FC236}">
+                <a16:creationId xmlns:a16="http://schemas.microsoft.com/office/drawing/2014/main" id="{A182FB62-5FC4-417F-A02B-4C87D90CC232}"/>
+              </a:ext>
+            </a:extLst>
+          </p:cNvPr>
+          <p:cNvSpPr/>
+          <p:nvPr/>
+        </p:nvSpPr>
+        <p:spPr>
+          <a:xfrm>
+            <a:off x="7710881" y="1035341"/>
+            <a:ext cx="187354" cy="187354"/>
+          </a:xfrm>
+          <a:prstGeom prst="ellipse">
+            <a:avLst/>
+          </a:prstGeom>
+          <a:noFill/>
+          <a:ln>
+            <a:solidFill>
+              <a:srgbClr val="FF0000"/>
+            </a:solidFill>
+          </a:ln>
+        </p:spPr>
+        <p:style>
+          <a:lnRef idx="2">
+            <a:schemeClr val="accent2"/>
+          </a:lnRef>
+          <a:fillRef idx="1">
+            <a:schemeClr val="lt1"/>
+          </a:fillRef>
+          <a:effectRef idx="0">
+            <a:schemeClr val="accent2"/>
+          </a:effectRef>
+          <a:fontRef idx="minor">
+            <a:schemeClr val="dk1"/>
+          </a:fontRef>
+        </p:style>
+        <p:txBody>
+          <a:bodyPr rtlCol="0" anchor="ctr"/>
+          <a:lstStyle/>
+          <a:p>
+            <a:pPr algn="ctr"/>
+            <a:endParaRPr lang="ko-KR" altLang="en-US"/>
+          </a:p>
+        </p:txBody>
+      </p:sp>
+      <p:sp>
+        <p:nvSpPr>
+          <p:cNvPr id="27" name="타원 26">
+            <a:extLst>
+              <a:ext uri="{FF2B5EF4-FFF2-40B4-BE49-F238E27FC236}">
+                <a16:creationId xmlns:a16="http://schemas.microsoft.com/office/drawing/2014/main" id="{8D3AD310-7964-440D-BF8D-1376B247B105}"/>
+              </a:ext>
+            </a:extLst>
+          </p:cNvPr>
+          <p:cNvSpPr/>
+          <p:nvPr/>
+        </p:nvSpPr>
+        <p:spPr>
+          <a:xfrm>
+            <a:off x="8383399" y="1582023"/>
+            <a:ext cx="187354" cy="187354"/>
+          </a:xfrm>
+          <a:prstGeom prst="ellipse">
+            <a:avLst/>
+          </a:prstGeom>
+          <a:noFill/>
+          <a:ln>
+            <a:solidFill>
+              <a:srgbClr val="FF0000"/>
+            </a:solidFill>
+          </a:ln>
+        </p:spPr>
+        <p:style>
+          <a:lnRef idx="2">
+            <a:schemeClr val="accent2"/>
+          </a:lnRef>
+          <a:fillRef idx="1">
+            <a:schemeClr val="lt1"/>
+          </a:fillRef>
+          <a:effectRef idx="0">
+            <a:schemeClr val="accent2"/>
+          </a:effectRef>
+          <a:fontRef idx="minor">
+            <a:schemeClr val="dk1"/>
+          </a:fontRef>
+        </p:style>
+        <p:txBody>
+          <a:bodyPr rtlCol="0" anchor="ctr"/>
+          <a:lstStyle/>
+          <a:p>
+            <a:pPr algn="ctr"/>
             <a:endParaRPr lang="ko-KR" altLang="en-US"/>
           </a:p>
         </p:txBody>
@@ -4020,7 +5169,7 @@
     </p:spTree>
     <p:extLst>
       <p:ext uri="{BB962C8B-B14F-4D97-AF65-F5344CB8AC3E}">
-        <p14:creationId xmlns:p14="http://schemas.microsoft.com/office/powerpoint/2010/main" val="3292354052"/>
+        <p14:creationId xmlns:p14="http://schemas.microsoft.com/office/powerpoint/2010/main" val="3463255732"/>
       </p:ext>
     </p:extLst>
   </p:cSld>

--- a/교육상황.pptx
+++ b/교육상황.pptx
@@ -260,7 +260,7 @@
           <a:p>
             <a:fld id="{7CDD5672-410E-4B8C-AC20-8F8FADD1AE2A}" type="datetimeFigureOut">
               <a:rPr lang="ko-KR" altLang="en-US" smtClean="0"/>
-              <a:t>2019-09-22</a:t>
+              <a:t>2019-10-31</a:t>
             </a:fld>
             <a:endParaRPr lang="ko-KR" altLang="en-US"/>
           </a:p>
@@ -458,7 +458,7 @@
           <a:p>
             <a:fld id="{7CDD5672-410E-4B8C-AC20-8F8FADD1AE2A}" type="datetimeFigureOut">
               <a:rPr lang="ko-KR" altLang="en-US" smtClean="0"/>
-              <a:t>2019-09-22</a:t>
+              <a:t>2019-10-31</a:t>
             </a:fld>
             <a:endParaRPr lang="ko-KR" altLang="en-US"/>
           </a:p>
@@ -666,7 +666,7 @@
           <a:p>
             <a:fld id="{7CDD5672-410E-4B8C-AC20-8F8FADD1AE2A}" type="datetimeFigureOut">
               <a:rPr lang="ko-KR" altLang="en-US" smtClean="0"/>
-              <a:t>2019-09-22</a:t>
+              <a:t>2019-10-31</a:t>
             </a:fld>
             <a:endParaRPr lang="ko-KR" altLang="en-US"/>
           </a:p>
@@ -864,7 +864,7 @@
           <a:p>
             <a:fld id="{7CDD5672-410E-4B8C-AC20-8F8FADD1AE2A}" type="datetimeFigureOut">
               <a:rPr lang="ko-KR" altLang="en-US" smtClean="0"/>
-              <a:t>2019-09-22</a:t>
+              <a:t>2019-10-31</a:t>
             </a:fld>
             <a:endParaRPr lang="ko-KR" altLang="en-US"/>
           </a:p>
@@ -1139,7 +1139,7 @@
           <a:p>
             <a:fld id="{7CDD5672-410E-4B8C-AC20-8F8FADD1AE2A}" type="datetimeFigureOut">
               <a:rPr lang="ko-KR" altLang="en-US" smtClean="0"/>
-              <a:t>2019-09-22</a:t>
+              <a:t>2019-10-31</a:t>
             </a:fld>
             <a:endParaRPr lang="ko-KR" altLang="en-US"/>
           </a:p>
@@ -1404,7 +1404,7 @@
           <a:p>
             <a:fld id="{7CDD5672-410E-4B8C-AC20-8F8FADD1AE2A}" type="datetimeFigureOut">
               <a:rPr lang="ko-KR" altLang="en-US" smtClean="0"/>
-              <a:t>2019-09-22</a:t>
+              <a:t>2019-10-31</a:t>
             </a:fld>
             <a:endParaRPr lang="ko-KR" altLang="en-US"/>
           </a:p>
@@ -1816,7 +1816,7 @@
           <a:p>
             <a:fld id="{7CDD5672-410E-4B8C-AC20-8F8FADD1AE2A}" type="datetimeFigureOut">
               <a:rPr lang="ko-KR" altLang="en-US" smtClean="0"/>
-              <a:t>2019-09-22</a:t>
+              <a:t>2019-10-31</a:t>
             </a:fld>
             <a:endParaRPr lang="ko-KR" altLang="en-US"/>
           </a:p>
@@ -1957,7 +1957,7 @@
           <a:p>
             <a:fld id="{7CDD5672-410E-4B8C-AC20-8F8FADD1AE2A}" type="datetimeFigureOut">
               <a:rPr lang="ko-KR" altLang="en-US" smtClean="0"/>
-              <a:t>2019-09-22</a:t>
+              <a:t>2019-10-31</a:t>
             </a:fld>
             <a:endParaRPr lang="ko-KR" altLang="en-US"/>
           </a:p>
@@ -2070,7 +2070,7 @@
           <a:p>
             <a:fld id="{7CDD5672-410E-4B8C-AC20-8F8FADD1AE2A}" type="datetimeFigureOut">
               <a:rPr lang="ko-KR" altLang="en-US" smtClean="0"/>
-              <a:t>2019-09-22</a:t>
+              <a:t>2019-10-31</a:t>
             </a:fld>
             <a:endParaRPr lang="ko-KR" altLang="en-US"/>
           </a:p>
@@ -2381,7 +2381,7 @@
           <a:p>
             <a:fld id="{7CDD5672-410E-4B8C-AC20-8F8FADD1AE2A}" type="datetimeFigureOut">
               <a:rPr lang="ko-KR" altLang="en-US" smtClean="0"/>
-              <a:t>2019-09-22</a:t>
+              <a:t>2019-10-31</a:t>
             </a:fld>
             <a:endParaRPr lang="ko-KR" altLang="en-US"/>
           </a:p>
@@ -2669,7 +2669,7 @@
           <a:p>
             <a:fld id="{7CDD5672-410E-4B8C-AC20-8F8FADD1AE2A}" type="datetimeFigureOut">
               <a:rPr lang="ko-KR" altLang="en-US" smtClean="0"/>
-              <a:t>2019-09-22</a:t>
+              <a:t>2019-10-31</a:t>
             </a:fld>
             <a:endParaRPr lang="ko-KR" altLang="en-US"/>
           </a:p>
@@ -2910,7 +2910,7 @@
           <a:p>
             <a:fld id="{7CDD5672-410E-4B8C-AC20-8F8FADD1AE2A}" type="datetimeFigureOut">
               <a:rPr lang="ko-KR" altLang="en-US" smtClean="0"/>
-              <a:t>2019-09-22</a:t>
+              <a:t>2019-10-31</a:t>
             </a:fld>
             <a:endParaRPr lang="ko-KR" altLang="en-US"/>
           </a:p>
@@ -4735,11 +4735,11 @@
             <a:avLst/>
           </a:prstGeom>
           <a:solidFill>
-            <a:srgbClr val="FFFF00"/>
+            <a:srgbClr val="FF0000"/>
           </a:solidFill>
           <a:ln>
             <a:solidFill>
-              <a:srgbClr val="FF0000"/>
+              <a:srgbClr val="FFC000"/>
             </a:solidFill>
           </a:ln>
         </p:spPr>
@@ -4762,7 +4762,14 @@
           <a:lstStyle/>
           <a:p>
             <a:pPr algn="ctr"/>
-            <a:endParaRPr lang="ko-KR" altLang="en-US" dirty="0"/>
+            <a:endParaRPr lang="ko-KR" altLang="en-US" dirty="0">
+              <a:solidFill>
+                <a:srgbClr val="FFC000"/>
+              </a:solidFill>
+              <a:highlight>
+                <a:srgbClr val="FF0000"/>
+              </a:highlight>
+            </a:endParaRPr>
           </a:p>
         </p:txBody>
       </p:sp>
@@ -4880,16 +4887,18 @@
         </p:nvSpPr>
         <p:spPr>
           <a:xfrm>
-            <a:off x="4458749" y="3429000"/>
-            <a:ext cx="187354" cy="187354"/>
+            <a:off x="4496833" y="3441917"/>
+            <a:ext cx="127965" cy="127965"/>
           </a:xfrm>
           <a:prstGeom prst="ellipse">
             <a:avLst/>
           </a:prstGeom>
-          <a:noFill/>
+          <a:solidFill>
+            <a:srgbClr val="FF0000"/>
+          </a:solidFill>
           <a:ln>
             <a:solidFill>
-              <a:srgbClr val="FF0000"/>
+              <a:srgbClr val="FFC000"/>
             </a:solidFill>
           </a:ln>
         </p:spPr>

--- a/교육상황.pptx
+++ b/교육상황.pptx
@@ -5,8 +5,7 @@
     <p:sldMasterId id="2147483648" r:id="rId1"/>
   </p:sldMasterIdLst>
   <p:sldIdLst>
-    <p:sldId id="257" r:id="rId2"/>
-    <p:sldId id="258" r:id="rId3"/>
+    <p:sldId id="258" r:id="rId2"/>
   </p:sldIdLst>
   <p:sldSz cx="12192000" cy="6858000"/>
   <p:notesSz cx="6858000" cy="9144000"/>
@@ -260,7 +259,7 @@
           <a:p>
             <a:fld id="{7CDD5672-410E-4B8C-AC20-8F8FADD1AE2A}" type="datetimeFigureOut">
               <a:rPr lang="ko-KR" altLang="en-US" smtClean="0"/>
-              <a:t>2019-10-31</a:t>
+              <a:t>2019-11-16</a:t>
             </a:fld>
             <a:endParaRPr lang="ko-KR" altLang="en-US"/>
           </a:p>
@@ -458,7 +457,7 @@
           <a:p>
             <a:fld id="{7CDD5672-410E-4B8C-AC20-8F8FADD1AE2A}" type="datetimeFigureOut">
               <a:rPr lang="ko-KR" altLang="en-US" smtClean="0"/>
-              <a:t>2019-10-31</a:t>
+              <a:t>2019-11-16</a:t>
             </a:fld>
             <a:endParaRPr lang="ko-KR" altLang="en-US"/>
           </a:p>
@@ -666,7 +665,7 @@
           <a:p>
             <a:fld id="{7CDD5672-410E-4B8C-AC20-8F8FADD1AE2A}" type="datetimeFigureOut">
               <a:rPr lang="ko-KR" altLang="en-US" smtClean="0"/>
-              <a:t>2019-10-31</a:t>
+              <a:t>2019-11-16</a:t>
             </a:fld>
             <a:endParaRPr lang="ko-KR" altLang="en-US"/>
           </a:p>
@@ -864,7 +863,7 @@
           <a:p>
             <a:fld id="{7CDD5672-410E-4B8C-AC20-8F8FADD1AE2A}" type="datetimeFigureOut">
               <a:rPr lang="ko-KR" altLang="en-US" smtClean="0"/>
-              <a:t>2019-10-31</a:t>
+              <a:t>2019-11-16</a:t>
             </a:fld>
             <a:endParaRPr lang="ko-KR" altLang="en-US"/>
           </a:p>
@@ -1139,7 +1138,7 @@
           <a:p>
             <a:fld id="{7CDD5672-410E-4B8C-AC20-8F8FADD1AE2A}" type="datetimeFigureOut">
               <a:rPr lang="ko-KR" altLang="en-US" smtClean="0"/>
-              <a:t>2019-10-31</a:t>
+              <a:t>2019-11-16</a:t>
             </a:fld>
             <a:endParaRPr lang="ko-KR" altLang="en-US"/>
           </a:p>
@@ -1404,7 +1403,7 @@
           <a:p>
             <a:fld id="{7CDD5672-410E-4B8C-AC20-8F8FADD1AE2A}" type="datetimeFigureOut">
               <a:rPr lang="ko-KR" altLang="en-US" smtClean="0"/>
-              <a:t>2019-10-31</a:t>
+              <a:t>2019-11-16</a:t>
             </a:fld>
             <a:endParaRPr lang="ko-KR" altLang="en-US"/>
           </a:p>
@@ -1816,7 +1815,7 @@
           <a:p>
             <a:fld id="{7CDD5672-410E-4B8C-AC20-8F8FADD1AE2A}" type="datetimeFigureOut">
               <a:rPr lang="ko-KR" altLang="en-US" smtClean="0"/>
-              <a:t>2019-10-31</a:t>
+              <a:t>2019-11-16</a:t>
             </a:fld>
             <a:endParaRPr lang="ko-KR" altLang="en-US"/>
           </a:p>
@@ -1957,7 +1956,7 @@
           <a:p>
             <a:fld id="{7CDD5672-410E-4B8C-AC20-8F8FADD1AE2A}" type="datetimeFigureOut">
               <a:rPr lang="ko-KR" altLang="en-US" smtClean="0"/>
-              <a:t>2019-10-31</a:t>
+              <a:t>2019-11-16</a:t>
             </a:fld>
             <a:endParaRPr lang="ko-KR" altLang="en-US"/>
           </a:p>
@@ -2070,7 +2069,7 @@
           <a:p>
             <a:fld id="{7CDD5672-410E-4B8C-AC20-8F8FADD1AE2A}" type="datetimeFigureOut">
               <a:rPr lang="ko-KR" altLang="en-US" smtClean="0"/>
-              <a:t>2019-10-31</a:t>
+              <a:t>2019-11-16</a:t>
             </a:fld>
             <a:endParaRPr lang="ko-KR" altLang="en-US"/>
           </a:p>
@@ -2381,7 +2380,7 @@
           <a:p>
             <a:fld id="{7CDD5672-410E-4B8C-AC20-8F8FADD1AE2A}" type="datetimeFigureOut">
               <a:rPr lang="ko-KR" altLang="en-US" smtClean="0"/>
-              <a:t>2019-10-31</a:t>
+              <a:t>2019-11-16</a:t>
             </a:fld>
             <a:endParaRPr lang="ko-KR" altLang="en-US"/>
           </a:p>
@@ -2669,7 +2668,7 @@
           <a:p>
             <a:fld id="{7CDD5672-410E-4B8C-AC20-8F8FADD1AE2A}" type="datetimeFigureOut">
               <a:rPr lang="ko-KR" altLang="en-US" smtClean="0"/>
-              <a:t>2019-10-31</a:t>
+              <a:t>2019-11-16</a:t>
             </a:fld>
             <a:endParaRPr lang="ko-KR" altLang="en-US"/>
           </a:p>
@@ -2910,7 +2909,7 @@
           <a:p>
             <a:fld id="{7CDD5672-410E-4B8C-AC20-8F8FADD1AE2A}" type="datetimeFigureOut">
               <a:rPr lang="ko-KR" altLang="en-US" smtClean="0"/>
-              <a:t>2019-10-31</a:t>
+              <a:t>2019-11-16</a:t>
             </a:fld>
             <a:endParaRPr lang="ko-KR" altLang="en-US"/>
           </a:p>
@@ -3329,693 +3328,6 @@
       </p:grpSpPr>
       <p:pic>
         <p:nvPicPr>
-          <p:cNvPr id="5" name="그림 4">
-            <a:extLst>
-              <a:ext uri="{FF2B5EF4-FFF2-40B4-BE49-F238E27FC236}">
-                <a16:creationId xmlns:a16="http://schemas.microsoft.com/office/drawing/2014/main" id="{4AE52252-3409-4023-9664-7B64848FFAA5}"/>
-              </a:ext>
-            </a:extLst>
-          </p:cNvPr>
-          <p:cNvPicPr>
-            <a:picLocks noChangeAspect="1"/>
-          </p:cNvPicPr>
-          <p:nvPr/>
-        </p:nvPicPr>
-        <p:blipFill>
-          <a:blip r:embed="rId2">
-            <a:extLst>
-              <a:ext uri="{28A0092B-C50C-407E-A947-70E740481C1C}">
-                <a14:useLocalDpi xmlns:a14="http://schemas.microsoft.com/office/drawing/2010/main" val="0"/>
-              </a:ext>
-            </a:extLst>
-          </a:blip>
-          <a:stretch>
-            <a:fillRect/>
-          </a:stretch>
-        </p:blipFill>
-        <p:spPr>
-          <a:xfrm>
-            <a:off x="0" y="0"/>
-            <a:ext cx="12192000" cy="6858000"/>
-          </a:xfrm>
-          <a:prstGeom prst="rect">
-            <a:avLst/>
-          </a:prstGeom>
-        </p:spPr>
-      </p:pic>
-      <p:sp>
-        <p:nvSpPr>
-          <p:cNvPr id="6" name="타원 5">
-            <a:extLst>
-              <a:ext uri="{FF2B5EF4-FFF2-40B4-BE49-F238E27FC236}">
-                <a16:creationId xmlns:a16="http://schemas.microsoft.com/office/drawing/2014/main" id="{7DC915DD-C5D4-4568-A097-42CDF3D6E26F}"/>
-              </a:ext>
-            </a:extLst>
-          </p:cNvPr>
-          <p:cNvSpPr/>
-          <p:nvPr/>
-        </p:nvSpPr>
-        <p:spPr>
-          <a:xfrm>
-            <a:off x="5872294" y="4496500"/>
-            <a:ext cx="260058" cy="260058"/>
-          </a:xfrm>
-          <a:prstGeom prst="ellipse">
-            <a:avLst/>
-          </a:prstGeom>
-          <a:solidFill>
-            <a:srgbClr val="FF0000"/>
-          </a:solidFill>
-        </p:spPr>
-        <p:style>
-          <a:lnRef idx="2">
-            <a:schemeClr val="accent2"/>
-          </a:lnRef>
-          <a:fillRef idx="1">
-            <a:schemeClr val="lt1"/>
-          </a:fillRef>
-          <a:effectRef idx="0">
-            <a:schemeClr val="accent2"/>
-          </a:effectRef>
-          <a:fontRef idx="minor">
-            <a:schemeClr val="dk1"/>
-          </a:fontRef>
-        </p:style>
-        <p:txBody>
-          <a:bodyPr rtlCol="0" anchor="ctr"/>
-          <a:lstStyle/>
-          <a:p>
-            <a:pPr algn="ctr"/>
-            <a:endParaRPr lang="ko-KR" altLang="en-US"/>
-          </a:p>
-        </p:txBody>
-      </p:sp>
-      <p:sp>
-        <p:nvSpPr>
-          <p:cNvPr id="7" name="타원 6">
-            <a:extLst>
-              <a:ext uri="{FF2B5EF4-FFF2-40B4-BE49-F238E27FC236}">
-                <a16:creationId xmlns:a16="http://schemas.microsoft.com/office/drawing/2014/main" id="{3478AFAB-DC9E-49E3-8F0B-EF49D27EB45B}"/>
-              </a:ext>
-            </a:extLst>
-          </p:cNvPr>
-          <p:cNvSpPr/>
-          <p:nvPr/>
-        </p:nvSpPr>
-        <p:spPr>
-          <a:xfrm>
-            <a:off x="7132041" y="2870434"/>
-            <a:ext cx="132825" cy="132825"/>
-          </a:xfrm>
-          <a:prstGeom prst="ellipse">
-            <a:avLst/>
-          </a:prstGeom>
-          <a:solidFill>
-            <a:srgbClr val="FF0000"/>
-          </a:solidFill>
-        </p:spPr>
-        <p:style>
-          <a:lnRef idx="2">
-            <a:schemeClr val="accent2"/>
-          </a:lnRef>
-          <a:fillRef idx="1">
-            <a:schemeClr val="lt1"/>
-          </a:fillRef>
-          <a:effectRef idx="0">
-            <a:schemeClr val="accent2"/>
-          </a:effectRef>
-          <a:fontRef idx="minor">
-            <a:schemeClr val="dk1"/>
-          </a:fontRef>
-        </p:style>
-        <p:txBody>
-          <a:bodyPr rtlCol="0" anchor="ctr"/>
-          <a:lstStyle/>
-          <a:p>
-            <a:pPr algn="ctr"/>
-            <a:endParaRPr lang="ko-KR" altLang="en-US"/>
-          </a:p>
-        </p:txBody>
-      </p:sp>
-      <p:sp>
-        <p:nvSpPr>
-          <p:cNvPr id="8" name="타원 7">
-            <a:extLst>
-              <a:ext uri="{FF2B5EF4-FFF2-40B4-BE49-F238E27FC236}">
-                <a16:creationId xmlns:a16="http://schemas.microsoft.com/office/drawing/2014/main" id="{77D5814E-E46F-4DC8-9331-4976F13B6E9E}"/>
-              </a:ext>
-            </a:extLst>
-          </p:cNvPr>
-          <p:cNvSpPr/>
-          <p:nvPr/>
-        </p:nvSpPr>
-        <p:spPr>
-          <a:xfrm>
-            <a:off x="9138408" y="2922166"/>
-            <a:ext cx="132825" cy="132825"/>
-          </a:xfrm>
-          <a:prstGeom prst="ellipse">
-            <a:avLst/>
-          </a:prstGeom>
-          <a:solidFill>
-            <a:srgbClr val="FF0000"/>
-          </a:solidFill>
-        </p:spPr>
-        <p:style>
-          <a:lnRef idx="2">
-            <a:schemeClr val="accent2"/>
-          </a:lnRef>
-          <a:fillRef idx="1">
-            <a:schemeClr val="lt1"/>
-          </a:fillRef>
-          <a:effectRef idx="0">
-            <a:schemeClr val="accent2"/>
-          </a:effectRef>
-          <a:fontRef idx="minor">
-            <a:schemeClr val="dk1"/>
-          </a:fontRef>
-        </p:style>
-        <p:txBody>
-          <a:bodyPr rtlCol="0" anchor="ctr"/>
-          <a:lstStyle/>
-          <a:p>
-            <a:pPr algn="ctr"/>
-            <a:endParaRPr lang="ko-KR" altLang="en-US"/>
-          </a:p>
-        </p:txBody>
-      </p:sp>
-      <p:sp>
-        <p:nvSpPr>
-          <p:cNvPr id="9" name="타원 8">
-            <a:extLst>
-              <a:ext uri="{FF2B5EF4-FFF2-40B4-BE49-F238E27FC236}">
-                <a16:creationId xmlns:a16="http://schemas.microsoft.com/office/drawing/2014/main" id="{8DC96C4A-A7B9-432E-8D57-411B7E313ED6}"/>
-              </a:ext>
-            </a:extLst>
-          </p:cNvPr>
-          <p:cNvSpPr/>
-          <p:nvPr/>
-        </p:nvSpPr>
-        <p:spPr>
-          <a:xfrm>
-            <a:off x="4608353" y="4474129"/>
-            <a:ext cx="132825" cy="132825"/>
-          </a:xfrm>
-          <a:prstGeom prst="ellipse">
-            <a:avLst/>
-          </a:prstGeom>
-          <a:solidFill>
-            <a:srgbClr val="FF0000"/>
-          </a:solidFill>
-        </p:spPr>
-        <p:style>
-          <a:lnRef idx="2">
-            <a:schemeClr val="accent2"/>
-          </a:lnRef>
-          <a:fillRef idx="1">
-            <a:schemeClr val="lt1"/>
-          </a:fillRef>
-          <a:effectRef idx="0">
-            <a:schemeClr val="accent2"/>
-          </a:effectRef>
-          <a:fontRef idx="minor">
-            <a:schemeClr val="dk1"/>
-          </a:fontRef>
-        </p:style>
-        <p:txBody>
-          <a:bodyPr rtlCol="0" anchor="ctr"/>
-          <a:lstStyle/>
-          <a:p>
-            <a:pPr algn="ctr"/>
-            <a:endParaRPr lang="ko-KR" altLang="en-US"/>
-          </a:p>
-        </p:txBody>
-      </p:sp>
-      <p:sp>
-        <p:nvSpPr>
-          <p:cNvPr id="10" name="타원 9">
-            <a:extLst>
-              <a:ext uri="{FF2B5EF4-FFF2-40B4-BE49-F238E27FC236}">
-                <a16:creationId xmlns:a16="http://schemas.microsoft.com/office/drawing/2014/main" id="{CB32C23A-0967-46E7-BBB7-F607A3E086AE}"/>
-              </a:ext>
-            </a:extLst>
-          </p:cNvPr>
-          <p:cNvSpPr/>
-          <p:nvPr/>
-        </p:nvSpPr>
-        <p:spPr>
-          <a:xfrm>
-            <a:off x="2671894" y="6564386"/>
-            <a:ext cx="132825" cy="132825"/>
-          </a:xfrm>
-          <a:prstGeom prst="ellipse">
-            <a:avLst/>
-          </a:prstGeom>
-          <a:solidFill>
-            <a:srgbClr val="FF0000"/>
-          </a:solidFill>
-        </p:spPr>
-        <p:style>
-          <a:lnRef idx="2">
-            <a:schemeClr val="accent2"/>
-          </a:lnRef>
-          <a:fillRef idx="1">
-            <a:schemeClr val="lt1"/>
-          </a:fillRef>
-          <a:effectRef idx="0">
-            <a:schemeClr val="accent2"/>
-          </a:effectRef>
-          <a:fontRef idx="minor">
-            <a:schemeClr val="dk1"/>
-          </a:fontRef>
-        </p:style>
-        <p:txBody>
-          <a:bodyPr rtlCol="0" anchor="ctr"/>
-          <a:lstStyle/>
-          <a:p>
-            <a:pPr algn="ctr"/>
-            <a:endParaRPr lang="ko-KR" altLang="en-US"/>
-          </a:p>
-        </p:txBody>
-      </p:sp>
-      <p:sp>
-        <p:nvSpPr>
-          <p:cNvPr id="11" name="타원 10">
-            <a:extLst>
-              <a:ext uri="{FF2B5EF4-FFF2-40B4-BE49-F238E27FC236}">
-                <a16:creationId xmlns:a16="http://schemas.microsoft.com/office/drawing/2014/main" id="{3441B95C-A444-4E49-B0D6-EAB6151A7B4E}"/>
-              </a:ext>
-            </a:extLst>
-          </p:cNvPr>
-          <p:cNvSpPr/>
-          <p:nvPr/>
-        </p:nvSpPr>
-        <p:spPr>
-          <a:xfrm>
-            <a:off x="6502868" y="5546523"/>
-            <a:ext cx="157992" cy="90880"/>
-          </a:xfrm>
-          <a:prstGeom prst="ellipse">
-            <a:avLst/>
-          </a:prstGeom>
-          <a:solidFill>
-            <a:srgbClr val="FF0000"/>
-          </a:solidFill>
-          <a:ln>
-            <a:solidFill>
-              <a:srgbClr val="FFC000"/>
-            </a:solidFill>
-          </a:ln>
-        </p:spPr>
-        <p:style>
-          <a:lnRef idx="2">
-            <a:schemeClr val="accent2"/>
-          </a:lnRef>
-          <a:fillRef idx="1">
-            <a:schemeClr val="lt1"/>
-          </a:fillRef>
-          <a:effectRef idx="0">
-            <a:schemeClr val="accent2"/>
-          </a:effectRef>
-          <a:fontRef idx="minor">
-            <a:schemeClr val="dk1"/>
-          </a:fontRef>
-        </p:style>
-        <p:txBody>
-          <a:bodyPr rtlCol="0" anchor="ctr"/>
-          <a:lstStyle/>
-          <a:p>
-            <a:pPr algn="ctr"/>
-            <a:endParaRPr lang="ko-KR" altLang="en-US"/>
-          </a:p>
-        </p:txBody>
-      </p:sp>
-      <p:sp>
-        <p:nvSpPr>
-          <p:cNvPr id="12" name="타원 11">
-            <a:extLst>
-              <a:ext uri="{FF2B5EF4-FFF2-40B4-BE49-F238E27FC236}">
-                <a16:creationId xmlns:a16="http://schemas.microsoft.com/office/drawing/2014/main" id="{C507BBC3-2762-4E34-B8BB-FCC583CDABB3}"/>
-              </a:ext>
-            </a:extLst>
-          </p:cNvPr>
-          <p:cNvSpPr/>
-          <p:nvPr/>
-        </p:nvSpPr>
-        <p:spPr>
-          <a:xfrm>
-            <a:off x="8425345" y="4809690"/>
-            <a:ext cx="157992" cy="90880"/>
-          </a:xfrm>
-          <a:prstGeom prst="ellipse">
-            <a:avLst/>
-          </a:prstGeom>
-          <a:solidFill>
-            <a:srgbClr val="FF0000"/>
-          </a:solidFill>
-          <a:ln>
-            <a:solidFill>
-              <a:srgbClr val="FFC000"/>
-            </a:solidFill>
-          </a:ln>
-        </p:spPr>
-        <p:style>
-          <a:lnRef idx="2">
-            <a:schemeClr val="accent2"/>
-          </a:lnRef>
-          <a:fillRef idx="1">
-            <a:schemeClr val="lt1"/>
-          </a:fillRef>
-          <a:effectRef idx="0">
-            <a:schemeClr val="accent2"/>
-          </a:effectRef>
-          <a:fontRef idx="minor">
-            <a:schemeClr val="dk1"/>
-          </a:fontRef>
-        </p:style>
-        <p:txBody>
-          <a:bodyPr rtlCol="0" anchor="ctr"/>
-          <a:lstStyle/>
-          <a:p>
-            <a:pPr algn="ctr"/>
-            <a:endParaRPr lang="ko-KR" altLang="en-US"/>
-          </a:p>
-        </p:txBody>
-      </p:sp>
-      <p:sp>
-        <p:nvSpPr>
-          <p:cNvPr id="13" name="타원 12">
-            <a:extLst>
-              <a:ext uri="{FF2B5EF4-FFF2-40B4-BE49-F238E27FC236}">
-                <a16:creationId xmlns:a16="http://schemas.microsoft.com/office/drawing/2014/main" id="{83D37378-FDCB-47FF-88BA-2AD5BF042D32}"/>
-              </a:ext>
-            </a:extLst>
-          </p:cNvPr>
-          <p:cNvSpPr/>
-          <p:nvPr/>
-        </p:nvSpPr>
-        <p:spPr>
-          <a:xfrm>
-            <a:off x="2804719" y="791362"/>
-            <a:ext cx="132825" cy="132825"/>
-          </a:xfrm>
-          <a:prstGeom prst="ellipse">
-            <a:avLst/>
-          </a:prstGeom>
-          <a:solidFill>
-            <a:srgbClr val="FF0000"/>
-          </a:solidFill>
-        </p:spPr>
-        <p:style>
-          <a:lnRef idx="2">
-            <a:schemeClr val="accent2"/>
-          </a:lnRef>
-          <a:fillRef idx="1">
-            <a:schemeClr val="lt1"/>
-          </a:fillRef>
-          <a:effectRef idx="0">
-            <a:schemeClr val="accent2"/>
-          </a:effectRef>
-          <a:fontRef idx="minor">
-            <a:schemeClr val="dk1"/>
-          </a:fontRef>
-        </p:style>
-        <p:txBody>
-          <a:bodyPr rtlCol="0" anchor="ctr"/>
-          <a:lstStyle/>
-          <a:p>
-            <a:pPr algn="ctr"/>
-            <a:endParaRPr lang="ko-KR" altLang="en-US"/>
-          </a:p>
-        </p:txBody>
-      </p:sp>
-      <p:sp>
-        <p:nvSpPr>
-          <p:cNvPr id="14" name="타원 13">
-            <a:extLst>
-              <a:ext uri="{FF2B5EF4-FFF2-40B4-BE49-F238E27FC236}">
-                <a16:creationId xmlns:a16="http://schemas.microsoft.com/office/drawing/2014/main" id="{32ED5E43-3FAE-4B84-8719-D89ABFA0B9FC}"/>
-              </a:ext>
-            </a:extLst>
-          </p:cNvPr>
-          <p:cNvSpPr/>
-          <p:nvPr/>
-        </p:nvSpPr>
-        <p:spPr>
-          <a:xfrm>
-            <a:off x="7677325" y="6125362"/>
-            <a:ext cx="149603" cy="149603"/>
-          </a:xfrm>
-          <a:prstGeom prst="ellipse">
-            <a:avLst/>
-          </a:prstGeom>
-          <a:solidFill>
-            <a:srgbClr val="FF0000"/>
-          </a:solidFill>
-        </p:spPr>
-        <p:style>
-          <a:lnRef idx="2">
-            <a:schemeClr val="accent2"/>
-          </a:lnRef>
-          <a:fillRef idx="1">
-            <a:schemeClr val="lt1"/>
-          </a:fillRef>
-          <a:effectRef idx="0">
-            <a:schemeClr val="accent2"/>
-          </a:effectRef>
-          <a:fontRef idx="minor">
-            <a:schemeClr val="dk1"/>
-          </a:fontRef>
-        </p:style>
-        <p:txBody>
-          <a:bodyPr rtlCol="0" anchor="ctr"/>
-          <a:lstStyle/>
-          <a:p>
-            <a:pPr algn="ctr"/>
-            <a:endParaRPr lang="ko-KR" altLang="en-US"/>
-          </a:p>
-        </p:txBody>
-      </p:sp>
-      <p:sp>
-        <p:nvSpPr>
-          <p:cNvPr id="15" name="타원 14">
-            <a:extLst>
-              <a:ext uri="{FF2B5EF4-FFF2-40B4-BE49-F238E27FC236}">
-                <a16:creationId xmlns:a16="http://schemas.microsoft.com/office/drawing/2014/main" id="{16C4273D-66DE-4526-A050-F57FE32107EB}"/>
-              </a:ext>
-            </a:extLst>
-          </p:cNvPr>
-          <p:cNvSpPr/>
-          <p:nvPr/>
-        </p:nvSpPr>
-        <p:spPr>
-          <a:xfrm>
-            <a:off x="5648500" y="6708397"/>
-            <a:ext cx="149603" cy="149603"/>
-          </a:xfrm>
-          <a:prstGeom prst="ellipse">
-            <a:avLst/>
-          </a:prstGeom>
-          <a:solidFill>
-            <a:srgbClr val="FF0000"/>
-          </a:solidFill>
-        </p:spPr>
-        <p:style>
-          <a:lnRef idx="2">
-            <a:schemeClr val="accent2"/>
-          </a:lnRef>
-          <a:fillRef idx="1">
-            <a:schemeClr val="lt1"/>
-          </a:fillRef>
-          <a:effectRef idx="0">
-            <a:schemeClr val="accent2"/>
-          </a:effectRef>
-          <a:fontRef idx="minor">
-            <a:schemeClr val="dk1"/>
-          </a:fontRef>
-        </p:style>
-        <p:txBody>
-          <a:bodyPr rtlCol="0" anchor="ctr"/>
-          <a:lstStyle/>
-          <a:p>
-            <a:pPr algn="ctr"/>
-            <a:endParaRPr lang="ko-KR" altLang="en-US"/>
-          </a:p>
-        </p:txBody>
-      </p:sp>
-      <p:sp>
-        <p:nvSpPr>
-          <p:cNvPr id="16" name="타원 15">
-            <a:extLst>
-              <a:ext uri="{FF2B5EF4-FFF2-40B4-BE49-F238E27FC236}">
-                <a16:creationId xmlns:a16="http://schemas.microsoft.com/office/drawing/2014/main" id="{4C66AF53-719C-47CD-9F27-229B9BC4A6B4}"/>
-              </a:ext>
-            </a:extLst>
-          </p:cNvPr>
-          <p:cNvSpPr/>
-          <p:nvPr/>
-        </p:nvSpPr>
-        <p:spPr>
-          <a:xfrm>
-            <a:off x="7429675" y="5070097"/>
-            <a:ext cx="149603" cy="149603"/>
-          </a:xfrm>
-          <a:prstGeom prst="ellipse">
-            <a:avLst/>
-          </a:prstGeom>
-          <a:solidFill>
-            <a:srgbClr val="FF0000"/>
-          </a:solidFill>
-        </p:spPr>
-        <p:style>
-          <a:lnRef idx="2">
-            <a:schemeClr val="accent2"/>
-          </a:lnRef>
-          <a:fillRef idx="1">
-            <a:schemeClr val="lt1"/>
-          </a:fillRef>
-          <a:effectRef idx="0">
-            <a:schemeClr val="accent2"/>
-          </a:effectRef>
-          <a:fontRef idx="minor">
-            <a:schemeClr val="dk1"/>
-          </a:fontRef>
-        </p:style>
-        <p:txBody>
-          <a:bodyPr rtlCol="0" anchor="ctr"/>
-          <a:lstStyle/>
-          <a:p>
-            <a:pPr algn="ctr"/>
-            <a:endParaRPr lang="ko-KR" altLang="en-US"/>
-          </a:p>
-        </p:txBody>
-      </p:sp>
-      <p:sp>
-        <p:nvSpPr>
-          <p:cNvPr id="17" name="타원 16">
-            <a:extLst>
-              <a:ext uri="{FF2B5EF4-FFF2-40B4-BE49-F238E27FC236}">
-                <a16:creationId xmlns:a16="http://schemas.microsoft.com/office/drawing/2014/main" id="{2D9470C6-7C06-4B08-9696-3A9ECEDA5792}"/>
-              </a:ext>
-            </a:extLst>
-          </p:cNvPr>
-          <p:cNvSpPr/>
-          <p:nvPr/>
-        </p:nvSpPr>
-        <p:spPr>
-          <a:xfrm>
-            <a:off x="5573698" y="5219700"/>
-            <a:ext cx="149603" cy="149603"/>
-          </a:xfrm>
-          <a:prstGeom prst="ellipse">
-            <a:avLst/>
-          </a:prstGeom>
-          <a:solidFill>
-            <a:srgbClr val="FF0000"/>
-          </a:solidFill>
-        </p:spPr>
-        <p:style>
-          <a:lnRef idx="2">
-            <a:schemeClr val="accent2"/>
-          </a:lnRef>
-          <a:fillRef idx="1">
-            <a:schemeClr val="lt1"/>
-          </a:fillRef>
-          <a:effectRef idx="0">
-            <a:schemeClr val="accent2"/>
-          </a:effectRef>
-          <a:fontRef idx="minor">
-            <a:schemeClr val="dk1"/>
-          </a:fontRef>
-        </p:style>
-        <p:txBody>
-          <a:bodyPr rtlCol="0" anchor="ctr"/>
-          <a:lstStyle/>
-          <a:p>
-            <a:pPr algn="ctr"/>
-            <a:endParaRPr lang="ko-KR" altLang="en-US"/>
-          </a:p>
-        </p:txBody>
-      </p:sp>
-      <p:sp>
-        <p:nvSpPr>
-          <p:cNvPr id="18" name="타원 17">
-            <a:extLst>
-              <a:ext uri="{FF2B5EF4-FFF2-40B4-BE49-F238E27FC236}">
-                <a16:creationId xmlns:a16="http://schemas.microsoft.com/office/drawing/2014/main" id="{8C51EBB3-0557-4C53-8637-2E69896F4021}"/>
-              </a:ext>
-            </a:extLst>
-          </p:cNvPr>
-          <p:cNvSpPr/>
-          <p:nvPr/>
-        </p:nvSpPr>
-        <p:spPr>
-          <a:xfrm>
-            <a:off x="7930393" y="3199002"/>
-            <a:ext cx="132825" cy="132825"/>
-          </a:xfrm>
-          <a:prstGeom prst="ellipse">
-            <a:avLst/>
-          </a:prstGeom>
-          <a:solidFill>
-            <a:srgbClr val="FF0000"/>
-          </a:solidFill>
-        </p:spPr>
-        <p:style>
-          <a:lnRef idx="2">
-            <a:schemeClr val="accent2"/>
-          </a:lnRef>
-          <a:fillRef idx="1">
-            <a:schemeClr val="lt1"/>
-          </a:fillRef>
-          <a:effectRef idx="0">
-            <a:schemeClr val="accent2"/>
-          </a:effectRef>
-          <a:fontRef idx="minor">
-            <a:schemeClr val="dk1"/>
-          </a:fontRef>
-        </p:style>
-        <p:txBody>
-          <a:bodyPr rtlCol="0" anchor="ctr"/>
-          <a:lstStyle/>
-          <a:p>
-            <a:pPr algn="ctr"/>
-            <a:endParaRPr lang="ko-KR" altLang="en-US"/>
-          </a:p>
-        </p:txBody>
-      </p:sp>
-    </p:spTree>
-    <p:extLst>
-      <p:ext uri="{BB962C8B-B14F-4D97-AF65-F5344CB8AC3E}">
-        <p14:creationId xmlns:p14="http://schemas.microsoft.com/office/powerpoint/2010/main" val="3292354052"/>
-      </p:ext>
-    </p:extLst>
-  </p:cSld>
-  <p:clrMapOvr>
-    <a:masterClrMapping/>
-  </p:clrMapOvr>
-</p:sld>
-</file>
-
-<file path=ppt/slides/slide2.xml><?xml version="1.0" encoding="utf-8"?>
-<p:sld xmlns:a="http://schemas.openxmlformats.org/drawingml/2006/main" xmlns:r="http://schemas.openxmlformats.org/officeDocument/2006/relationships" xmlns:p="http://schemas.openxmlformats.org/presentationml/2006/main">
-  <p:cSld>
-    <p:spTree>
-      <p:nvGrpSpPr>
-        <p:cNvPr id="1" name=""/>
-        <p:cNvGrpSpPr/>
-        <p:nvPr/>
-      </p:nvGrpSpPr>
-      <p:grpSpPr>
-        <a:xfrm>
-          <a:off x="0" y="0"/>
-          <a:ext cx="0" cy="0"/>
-          <a:chOff x="0" y="0"/>
-          <a:chExt cx="0" cy="0"/>
-        </a:xfrm>
-      </p:grpSpPr>
-      <p:pic>
-        <p:nvPicPr>
           <p:cNvPr id="4" name="그림 3">
             <a:extLst>
               <a:ext uri="{FF2B5EF4-FFF2-40B4-BE49-F238E27FC236}">
@@ -4793,60 +4105,12 @@
           <a:prstGeom prst="ellipse">
             <a:avLst/>
           </a:prstGeom>
-          <a:noFill/>
+          <a:solidFill>
+            <a:srgbClr val="FF0000"/>
+          </a:solidFill>
           <a:ln>
             <a:solidFill>
-              <a:srgbClr val="FF0000"/>
-            </a:solidFill>
-          </a:ln>
-        </p:spPr>
-        <p:style>
-          <a:lnRef idx="2">
-            <a:schemeClr val="accent2"/>
-          </a:lnRef>
-          <a:fillRef idx="1">
-            <a:schemeClr val="lt1"/>
-          </a:fillRef>
-          <a:effectRef idx="0">
-            <a:schemeClr val="accent2"/>
-          </a:effectRef>
-          <a:fontRef idx="minor">
-            <a:schemeClr val="dk1"/>
-          </a:fontRef>
-        </p:style>
-        <p:txBody>
-          <a:bodyPr rtlCol="0" anchor="ctr"/>
-          <a:lstStyle/>
-          <a:p>
-            <a:pPr algn="ctr"/>
-            <a:endParaRPr lang="ko-KR" altLang="en-US"/>
-          </a:p>
-        </p:txBody>
-      </p:sp>
-      <p:sp>
-        <p:nvSpPr>
-          <p:cNvPr id="21" name="타원 20">
-            <a:extLst>
-              <a:ext uri="{FF2B5EF4-FFF2-40B4-BE49-F238E27FC236}">
-                <a16:creationId xmlns:a16="http://schemas.microsoft.com/office/drawing/2014/main" id="{D0538C85-4C1B-4894-876E-623D8CF0D915}"/>
-              </a:ext>
-            </a:extLst>
-          </p:cNvPr>
-          <p:cNvSpPr/>
-          <p:nvPr/>
-        </p:nvSpPr>
-        <p:spPr>
-          <a:xfrm>
-            <a:off x="4552426" y="2081869"/>
-            <a:ext cx="187354" cy="187354"/>
-          </a:xfrm>
-          <a:prstGeom prst="ellipse">
-            <a:avLst/>
-          </a:prstGeom>
-          <a:noFill/>
-          <a:ln>
-            <a:solidFill>
-              <a:srgbClr val="FF0000"/>
+              <a:srgbClr val="FFC000"/>
             </a:solidFill>
           </a:ln>
         </p:spPr>
@@ -4927,106 +4191,6 @@
       </p:sp>
       <p:sp>
         <p:nvSpPr>
-          <p:cNvPr id="23" name="타원 22">
-            <a:extLst>
-              <a:ext uri="{FF2B5EF4-FFF2-40B4-BE49-F238E27FC236}">
-                <a16:creationId xmlns:a16="http://schemas.microsoft.com/office/drawing/2014/main" id="{497152DC-3A30-413E-A016-D3AACF09790F}"/>
-              </a:ext>
-            </a:extLst>
-          </p:cNvPr>
-          <p:cNvSpPr/>
-          <p:nvPr/>
-        </p:nvSpPr>
-        <p:spPr>
-          <a:xfrm>
-            <a:off x="5584272" y="1878435"/>
-            <a:ext cx="187354" cy="187354"/>
-          </a:xfrm>
-          <a:prstGeom prst="ellipse">
-            <a:avLst/>
-          </a:prstGeom>
-          <a:noFill/>
-          <a:ln>
-            <a:solidFill>
-              <a:srgbClr val="FF0000"/>
-            </a:solidFill>
-          </a:ln>
-        </p:spPr>
-        <p:style>
-          <a:lnRef idx="2">
-            <a:schemeClr val="accent2"/>
-          </a:lnRef>
-          <a:fillRef idx="1">
-            <a:schemeClr val="lt1"/>
-          </a:fillRef>
-          <a:effectRef idx="0">
-            <a:schemeClr val="accent2"/>
-          </a:effectRef>
-          <a:fontRef idx="minor">
-            <a:schemeClr val="dk1"/>
-          </a:fontRef>
-        </p:style>
-        <p:txBody>
-          <a:bodyPr rtlCol="0" anchor="ctr"/>
-          <a:lstStyle/>
-          <a:p>
-            <a:pPr algn="ctr"/>
-            <a:endParaRPr lang="ko-KR" altLang="en-US"/>
-          </a:p>
-        </p:txBody>
-      </p:sp>
-      <p:sp>
-        <p:nvSpPr>
-          <p:cNvPr id="24" name="타원 23">
-            <a:extLst>
-              <a:ext uri="{FF2B5EF4-FFF2-40B4-BE49-F238E27FC236}">
-                <a16:creationId xmlns:a16="http://schemas.microsoft.com/office/drawing/2014/main" id="{2674DBE3-8556-415B-8F2B-EE8F91D162DB}"/>
-              </a:ext>
-            </a:extLst>
-          </p:cNvPr>
-          <p:cNvSpPr/>
-          <p:nvPr/>
-        </p:nvSpPr>
-        <p:spPr>
-          <a:xfrm>
-            <a:off x="6684628" y="1846277"/>
-            <a:ext cx="187354" cy="187354"/>
-          </a:xfrm>
-          <a:prstGeom prst="ellipse">
-            <a:avLst/>
-          </a:prstGeom>
-          <a:noFill/>
-          <a:ln>
-            <a:solidFill>
-              <a:srgbClr val="FF0000"/>
-            </a:solidFill>
-          </a:ln>
-        </p:spPr>
-        <p:style>
-          <a:lnRef idx="2">
-            <a:schemeClr val="accent2"/>
-          </a:lnRef>
-          <a:fillRef idx="1">
-            <a:schemeClr val="lt1"/>
-          </a:fillRef>
-          <a:effectRef idx="0">
-            <a:schemeClr val="accent2"/>
-          </a:effectRef>
-          <a:fontRef idx="minor">
-            <a:schemeClr val="dk1"/>
-          </a:fontRef>
-        </p:style>
-        <p:txBody>
-          <a:bodyPr rtlCol="0" anchor="ctr"/>
-          <a:lstStyle/>
-          <a:p>
-            <a:pPr algn="ctr"/>
-            <a:endParaRPr lang="ko-KR" altLang="en-US"/>
-          </a:p>
-        </p:txBody>
-      </p:sp>
-      <p:sp>
-        <p:nvSpPr>
           <p:cNvPr id="25" name="타원 24">
             <a:extLst>
               <a:ext uri="{FF2B5EF4-FFF2-40B4-BE49-F238E27FC236}">
@@ -5151,6 +4315,147 @@
               <a:srgbClr val="FF0000"/>
             </a:solidFill>
           </a:ln>
+        </p:spPr>
+        <p:style>
+          <a:lnRef idx="2">
+            <a:schemeClr val="accent2"/>
+          </a:lnRef>
+          <a:fillRef idx="1">
+            <a:schemeClr val="lt1"/>
+          </a:fillRef>
+          <a:effectRef idx="0">
+            <a:schemeClr val="accent2"/>
+          </a:effectRef>
+          <a:fontRef idx="minor">
+            <a:schemeClr val="dk1"/>
+          </a:fontRef>
+        </p:style>
+        <p:txBody>
+          <a:bodyPr rtlCol="0" anchor="ctr"/>
+          <a:lstStyle/>
+          <a:p>
+            <a:pPr algn="ctr"/>
+            <a:endParaRPr lang="ko-KR" altLang="en-US"/>
+          </a:p>
+        </p:txBody>
+      </p:sp>
+      <p:sp>
+        <p:nvSpPr>
+          <p:cNvPr id="28" name="타원 27">
+            <a:extLst>
+              <a:ext uri="{FF2B5EF4-FFF2-40B4-BE49-F238E27FC236}">
+                <a16:creationId xmlns:a16="http://schemas.microsoft.com/office/drawing/2014/main" id="{7605DB81-50CB-4227-99EF-FFFC7348B918}"/>
+              </a:ext>
+            </a:extLst>
+          </p:cNvPr>
+          <p:cNvSpPr/>
+          <p:nvPr/>
+        </p:nvSpPr>
+        <p:spPr>
+          <a:xfrm>
+            <a:off x="6719583" y="1886824"/>
+            <a:ext cx="132825" cy="132825"/>
+          </a:xfrm>
+          <a:prstGeom prst="ellipse">
+            <a:avLst/>
+          </a:prstGeom>
+          <a:solidFill>
+            <a:srgbClr val="FF0000"/>
+          </a:solidFill>
+        </p:spPr>
+        <p:style>
+          <a:lnRef idx="2">
+            <a:schemeClr val="accent2"/>
+          </a:lnRef>
+          <a:fillRef idx="1">
+            <a:schemeClr val="lt1"/>
+          </a:fillRef>
+          <a:effectRef idx="0">
+            <a:schemeClr val="accent2"/>
+          </a:effectRef>
+          <a:fontRef idx="minor">
+            <a:schemeClr val="dk1"/>
+          </a:fontRef>
+        </p:style>
+        <p:txBody>
+          <a:bodyPr rtlCol="0" anchor="ctr"/>
+          <a:lstStyle/>
+          <a:p>
+            <a:pPr algn="ctr"/>
+            <a:endParaRPr lang="ko-KR" altLang="en-US"/>
+          </a:p>
+        </p:txBody>
+      </p:sp>
+      <p:sp>
+        <p:nvSpPr>
+          <p:cNvPr id="29" name="타원 28">
+            <a:extLst>
+              <a:ext uri="{FF2B5EF4-FFF2-40B4-BE49-F238E27FC236}">
+                <a16:creationId xmlns:a16="http://schemas.microsoft.com/office/drawing/2014/main" id="{941E479B-2DDA-43AA-9E8B-DB27D13829FE}"/>
+              </a:ext>
+            </a:extLst>
+          </p:cNvPr>
+          <p:cNvSpPr/>
+          <p:nvPr/>
+        </p:nvSpPr>
+        <p:spPr>
+          <a:xfrm>
+            <a:off x="5606642" y="1886824"/>
+            <a:ext cx="132825" cy="132825"/>
+          </a:xfrm>
+          <a:prstGeom prst="ellipse">
+            <a:avLst/>
+          </a:prstGeom>
+          <a:solidFill>
+            <a:srgbClr val="FF0000"/>
+          </a:solidFill>
+        </p:spPr>
+        <p:style>
+          <a:lnRef idx="2">
+            <a:schemeClr val="accent2"/>
+          </a:lnRef>
+          <a:fillRef idx="1">
+            <a:schemeClr val="lt1"/>
+          </a:fillRef>
+          <a:effectRef idx="0">
+            <a:schemeClr val="accent2"/>
+          </a:effectRef>
+          <a:fontRef idx="minor">
+            <a:schemeClr val="dk1"/>
+          </a:fontRef>
+        </p:style>
+        <p:txBody>
+          <a:bodyPr rtlCol="0" anchor="ctr"/>
+          <a:lstStyle/>
+          <a:p>
+            <a:pPr algn="ctr"/>
+            <a:endParaRPr lang="ko-KR" altLang="en-US"/>
+          </a:p>
+        </p:txBody>
+      </p:sp>
+      <p:sp>
+        <p:nvSpPr>
+          <p:cNvPr id="30" name="타원 29">
+            <a:extLst>
+              <a:ext uri="{FF2B5EF4-FFF2-40B4-BE49-F238E27FC236}">
+                <a16:creationId xmlns:a16="http://schemas.microsoft.com/office/drawing/2014/main" id="{5A04FADD-8055-41CD-A2EB-6A7636324D7F}"/>
+              </a:ext>
+            </a:extLst>
+          </p:cNvPr>
+          <p:cNvSpPr/>
+          <p:nvPr/>
+        </p:nvSpPr>
+        <p:spPr>
+          <a:xfrm>
+            <a:off x="4600188" y="2105636"/>
+            <a:ext cx="132825" cy="132825"/>
+          </a:xfrm>
+          <a:prstGeom prst="ellipse">
+            <a:avLst/>
+          </a:prstGeom>
+          <a:solidFill>
+            <a:srgbClr val="FF0000"/>
+          </a:solidFill>
         </p:spPr>
         <p:style>
           <a:lnRef idx="2">

--- a/교육상황.pptx
+++ b/교육상황.pptx
@@ -259,7 +259,7 @@
           <a:p>
             <a:fld id="{7CDD5672-410E-4B8C-AC20-8F8FADD1AE2A}" type="datetimeFigureOut">
               <a:rPr lang="ko-KR" altLang="en-US" smtClean="0"/>
-              <a:t>2019-11-16</a:t>
+              <a:t>2019-11-29</a:t>
             </a:fld>
             <a:endParaRPr lang="ko-KR" altLang="en-US"/>
           </a:p>
@@ -457,7 +457,7 @@
           <a:p>
             <a:fld id="{7CDD5672-410E-4B8C-AC20-8F8FADD1AE2A}" type="datetimeFigureOut">
               <a:rPr lang="ko-KR" altLang="en-US" smtClean="0"/>
-              <a:t>2019-11-16</a:t>
+              <a:t>2019-11-29</a:t>
             </a:fld>
             <a:endParaRPr lang="ko-KR" altLang="en-US"/>
           </a:p>
@@ -665,7 +665,7 @@
           <a:p>
             <a:fld id="{7CDD5672-410E-4B8C-AC20-8F8FADD1AE2A}" type="datetimeFigureOut">
               <a:rPr lang="ko-KR" altLang="en-US" smtClean="0"/>
-              <a:t>2019-11-16</a:t>
+              <a:t>2019-11-29</a:t>
             </a:fld>
             <a:endParaRPr lang="ko-KR" altLang="en-US"/>
           </a:p>
@@ -863,7 +863,7 @@
           <a:p>
             <a:fld id="{7CDD5672-410E-4B8C-AC20-8F8FADD1AE2A}" type="datetimeFigureOut">
               <a:rPr lang="ko-KR" altLang="en-US" smtClean="0"/>
-              <a:t>2019-11-16</a:t>
+              <a:t>2019-11-29</a:t>
             </a:fld>
             <a:endParaRPr lang="ko-KR" altLang="en-US"/>
           </a:p>
@@ -1138,7 +1138,7 @@
           <a:p>
             <a:fld id="{7CDD5672-410E-4B8C-AC20-8F8FADD1AE2A}" type="datetimeFigureOut">
               <a:rPr lang="ko-KR" altLang="en-US" smtClean="0"/>
-              <a:t>2019-11-16</a:t>
+              <a:t>2019-11-29</a:t>
             </a:fld>
             <a:endParaRPr lang="ko-KR" altLang="en-US"/>
           </a:p>
@@ -1403,7 +1403,7 @@
           <a:p>
             <a:fld id="{7CDD5672-410E-4B8C-AC20-8F8FADD1AE2A}" type="datetimeFigureOut">
               <a:rPr lang="ko-KR" altLang="en-US" smtClean="0"/>
-              <a:t>2019-11-16</a:t>
+              <a:t>2019-11-29</a:t>
             </a:fld>
             <a:endParaRPr lang="ko-KR" altLang="en-US"/>
           </a:p>
@@ -1815,7 +1815,7 @@
           <a:p>
             <a:fld id="{7CDD5672-410E-4B8C-AC20-8F8FADD1AE2A}" type="datetimeFigureOut">
               <a:rPr lang="ko-KR" altLang="en-US" smtClean="0"/>
-              <a:t>2019-11-16</a:t>
+              <a:t>2019-11-29</a:t>
             </a:fld>
             <a:endParaRPr lang="ko-KR" altLang="en-US"/>
           </a:p>
@@ -1956,7 +1956,7 @@
           <a:p>
             <a:fld id="{7CDD5672-410E-4B8C-AC20-8F8FADD1AE2A}" type="datetimeFigureOut">
               <a:rPr lang="ko-KR" altLang="en-US" smtClean="0"/>
-              <a:t>2019-11-16</a:t>
+              <a:t>2019-11-29</a:t>
             </a:fld>
             <a:endParaRPr lang="ko-KR" altLang="en-US"/>
           </a:p>
@@ -2069,7 +2069,7 @@
           <a:p>
             <a:fld id="{7CDD5672-410E-4B8C-AC20-8F8FADD1AE2A}" type="datetimeFigureOut">
               <a:rPr lang="ko-KR" altLang="en-US" smtClean="0"/>
-              <a:t>2019-11-16</a:t>
+              <a:t>2019-11-29</a:t>
             </a:fld>
             <a:endParaRPr lang="ko-KR" altLang="en-US"/>
           </a:p>
@@ -2380,7 +2380,7 @@
           <a:p>
             <a:fld id="{7CDD5672-410E-4B8C-AC20-8F8FADD1AE2A}" type="datetimeFigureOut">
               <a:rPr lang="ko-KR" altLang="en-US" smtClean="0"/>
-              <a:t>2019-11-16</a:t>
+              <a:t>2019-11-29</a:t>
             </a:fld>
             <a:endParaRPr lang="ko-KR" altLang="en-US"/>
           </a:p>
@@ -2668,7 +2668,7 @@
           <a:p>
             <a:fld id="{7CDD5672-410E-4B8C-AC20-8F8FADD1AE2A}" type="datetimeFigureOut">
               <a:rPr lang="ko-KR" altLang="en-US" smtClean="0"/>
-              <a:t>2019-11-16</a:t>
+              <a:t>2019-11-29</a:t>
             </a:fld>
             <a:endParaRPr lang="ko-KR" altLang="en-US"/>
           </a:p>
@@ -2909,7 +2909,7 @@
           <a:p>
             <a:fld id="{7CDD5672-410E-4B8C-AC20-8F8FADD1AE2A}" type="datetimeFigureOut">
               <a:rPr lang="ko-KR" altLang="en-US" smtClean="0"/>
-              <a:t>2019-11-16</a:t>
+              <a:t>2019-11-29</a:t>
             </a:fld>
             <a:endParaRPr lang="ko-KR" altLang="en-US"/>
           </a:p>
@@ -3978,56 +3978,6 @@
       </p:sp>
       <p:sp>
         <p:nvSpPr>
-          <p:cNvPr id="18" name="타원 17">
-            <a:extLst>
-              <a:ext uri="{FF2B5EF4-FFF2-40B4-BE49-F238E27FC236}">
-                <a16:creationId xmlns:a16="http://schemas.microsoft.com/office/drawing/2014/main" id="{1A60895E-5CA7-47A7-9CB5-17FD314C3A68}"/>
-              </a:ext>
-            </a:extLst>
-          </p:cNvPr>
-          <p:cNvSpPr/>
-          <p:nvPr/>
-        </p:nvSpPr>
-        <p:spPr>
-          <a:xfrm>
-            <a:off x="7777993" y="3164048"/>
-            <a:ext cx="99269" cy="99269"/>
-          </a:xfrm>
-          <a:prstGeom prst="ellipse">
-            <a:avLst/>
-          </a:prstGeom>
-          <a:noFill/>
-          <a:ln>
-            <a:solidFill>
-              <a:srgbClr val="FF0000"/>
-            </a:solidFill>
-          </a:ln>
-        </p:spPr>
-        <p:style>
-          <a:lnRef idx="2">
-            <a:schemeClr val="accent2"/>
-          </a:lnRef>
-          <a:fillRef idx="1">
-            <a:schemeClr val="lt1"/>
-          </a:fillRef>
-          <a:effectRef idx="0">
-            <a:schemeClr val="accent2"/>
-          </a:effectRef>
-          <a:fontRef idx="minor">
-            <a:schemeClr val="dk1"/>
-          </a:fontRef>
-        </p:style>
-        <p:txBody>
-          <a:bodyPr rtlCol="0" anchor="ctr"/>
-          <a:lstStyle/>
-          <a:p>
-            <a:pPr algn="ctr"/>
-            <a:endParaRPr lang="ko-KR" altLang="en-US"/>
-          </a:p>
-        </p:txBody>
-      </p:sp>
-      <p:sp>
-        <p:nvSpPr>
           <p:cNvPr id="19" name="타원 18">
             <a:extLst>
               <a:ext uri="{FF2B5EF4-FFF2-40B4-BE49-F238E27FC236}">
@@ -4241,10 +4191,10 @@
       </p:sp>
       <p:sp>
         <p:nvSpPr>
-          <p:cNvPr id="26" name="타원 25">
-            <a:extLst>
-              <a:ext uri="{FF2B5EF4-FFF2-40B4-BE49-F238E27FC236}">
-                <a16:creationId xmlns:a16="http://schemas.microsoft.com/office/drawing/2014/main" id="{A182FB62-5FC4-417F-A02B-4C87D90CC232}"/>
+          <p:cNvPr id="27" name="타원 26">
+            <a:extLst>
+              <a:ext uri="{FF2B5EF4-FFF2-40B4-BE49-F238E27FC236}">
+                <a16:creationId xmlns:a16="http://schemas.microsoft.com/office/drawing/2014/main" id="{8D3AD310-7964-440D-BF8D-1376B247B105}"/>
               </a:ext>
             </a:extLst>
           </p:cNvPr>
@@ -4253,7 +4203,7 @@
         </p:nvSpPr>
         <p:spPr>
           <a:xfrm>
-            <a:off x="7710881" y="1035341"/>
+            <a:off x="8383399" y="1582023"/>
             <a:ext cx="187354" cy="187354"/>
           </a:xfrm>
           <a:prstGeom prst="ellipse">
@@ -4291,56 +4241,6 @@
       </p:sp>
       <p:sp>
         <p:nvSpPr>
-          <p:cNvPr id="27" name="타원 26">
-            <a:extLst>
-              <a:ext uri="{FF2B5EF4-FFF2-40B4-BE49-F238E27FC236}">
-                <a16:creationId xmlns:a16="http://schemas.microsoft.com/office/drawing/2014/main" id="{8D3AD310-7964-440D-BF8D-1376B247B105}"/>
-              </a:ext>
-            </a:extLst>
-          </p:cNvPr>
-          <p:cNvSpPr/>
-          <p:nvPr/>
-        </p:nvSpPr>
-        <p:spPr>
-          <a:xfrm>
-            <a:off x="8383399" y="1582023"/>
-            <a:ext cx="187354" cy="187354"/>
-          </a:xfrm>
-          <a:prstGeom prst="ellipse">
-            <a:avLst/>
-          </a:prstGeom>
-          <a:noFill/>
-          <a:ln>
-            <a:solidFill>
-              <a:srgbClr val="FF0000"/>
-            </a:solidFill>
-          </a:ln>
-        </p:spPr>
-        <p:style>
-          <a:lnRef idx="2">
-            <a:schemeClr val="accent2"/>
-          </a:lnRef>
-          <a:fillRef idx="1">
-            <a:schemeClr val="lt1"/>
-          </a:fillRef>
-          <a:effectRef idx="0">
-            <a:schemeClr val="accent2"/>
-          </a:effectRef>
-          <a:fontRef idx="minor">
-            <a:schemeClr val="dk1"/>
-          </a:fontRef>
-        </p:style>
-        <p:txBody>
-          <a:bodyPr rtlCol="0" anchor="ctr"/>
-          <a:lstStyle/>
-          <a:p>
-            <a:pPr algn="ctr"/>
-            <a:endParaRPr lang="ko-KR" altLang="en-US"/>
-          </a:p>
-        </p:txBody>
-      </p:sp>
-      <p:sp>
-        <p:nvSpPr>
           <p:cNvPr id="28" name="타원 27">
             <a:extLst>
               <a:ext uri="{FF2B5EF4-FFF2-40B4-BE49-F238E27FC236}">
@@ -4449,6 +4349,288 @@
           <a:xfrm>
             <a:off x="4600188" y="2105636"/>
             <a:ext cx="132825" cy="132825"/>
+          </a:xfrm>
+          <a:prstGeom prst="ellipse">
+            <a:avLst/>
+          </a:prstGeom>
+          <a:solidFill>
+            <a:srgbClr val="FF0000"/>
+          </a:solidFill>
+        </p:spPr>
+        <p:style>
+          <a:lnRef idx="2">
+            <a:schemeClr val="accent2"/>
+          </a:lnRef>
+          <a:fillRef idx="1">
+            <a:schemeClr val="lt1"/>
+          </a:fillRef>
+          <a:effectRef idx="0">
+            <a:schemeClr val="accent2"/>
+          </a:effectRef>
+          <a:fontRef idx="minor">
+            <a:schemeClr val="dk1"/>
+          </a:fontRef>
+        </p:style>
+        <p:txBody>
+          <a:bodyPr rtlCol="0" anchor="ctr"/>
+          <a:lstStyle/>
+          <a:p>
+            <a:pPr algn="ctr"/>
+            <a:endParaRPr lang="ko-KR" altLang="en-US"/>
+          </a:p>
+        </p:txBody>
+      </p:sp>
+      <p:sp>
+        <p:nvSpPr>
+          <p:cNvPr id="31" name="타원 30">
+            <a:extLst>
+              <a:ext uri="{FF2B5EF4-FFF2-40B4-BE49-F238E27FC236}">
+                <a16:creationId xmlns:a16="http://schemas.microsoft.com/office/drawing/2014/main" id="{77B2D396-2B70-4274-80BE-AA09805BF8F2}"/>
+              </a:ext>
+            </a:extLst>
+          </p:cNvPr>
+          <p:cNvSpPr/>
+          <p:nvPr/>
+        </p:nvSpPr>
+        <p:spPr>
+          <a:xfrm>
+            <a:off x="7738844" y="1061208"/>
+            <a:ext cx="132825" cy="132825"/>
+          </a:xfrm>
+          <a:prstGeom prst="ellipse">
+            <a:avLst/>
+          </a:prstGeom>
+          <a:solidFill>
+            <a:srgbClr val="FF0000"/>
+          </a:solidFill>
+        </p:spPr>
+        <p:style>
+          <a:lnRef idx="2">
+            <a:schemeClr val="accent2"/>
+          </a:lnRef>
+          <a:fillRef idx="1">
+            <a:schemeClr val="lt1"/>
+          </a:fillRef>
+          <a:effectRef idx="0">
+            <a:schemeClr val="accent2"/>
+          </a:effectRef>
+          <a:fontRef idx="minor">
+            <a:schemeClr val="dk1"/>
+          </a:fontRef>
+        </p:style>
+        <p:txBody>
+          <a:bodyPr rtlCol="0" anchor="ctr"/>
+          <a:lstStyle/>
+          <a:p>
+            <a:pPr algn="ctr"/>
+            <a:endParaRPr lang="ko-KR" altLang="en-US"/>
+          </a:p>
+        </p:txBody>
+      </p:sp>
+      <p:sp>
+        <p:nvSpPr>
+          <p:cNvPr id="26" name="타원 25">
+            <a:extLst>
+              <a:ext uri="{FF2B5EF4-FFF2-40B4-BE49-F238E27FC236}">
+                <a16:creationId xmlns:a16="http://schemas.microsoft.com/office/drawing/2014/main" id="{10F82458-2AF2-4295-864B-5D2230A5C600}"/>
+              </a:ext>
+            </a:extLst>
+          </p:cNvPr>
+          <p:cNvSpPr/>
+          <p:nvPr/>
+        </p:nvSpPr>
+        <p:spPr>
+          <a:xfrm>
+            <a:off x="5461234" y="5664025"/>
+            <a:ext cx="149546" cy="149546"/>
+          </a:xfrm>
+          <a:prstGeom prst="ellipse">
+            <a:avLst/>
+          </a:prstGeom>
+          <a:solidFill>
+            <a:srgbClr val="FF0000"/>
+          </a:solidFill>
+        </p:spPr>
+        <p:style>
+          <a:lnRef idx="2">
+            <a:schemeClr val="accent2"/>
+          </a:lnRef>
+          <a:fillRef idx="1">
+            <a:schemeClr val="lt1"/>
+          </a:fillRef>
+          <a:effectRef idx="0">
+            <a:schemeClr val="accent2"/>
+          </a:effectRef>
+          <a:fontRef idx="minor">
+            <a:schemeClr val="dk1"/>
+          </a:fontRef>
+        </p:style>
+        <p:txBody>
+          <a:bodyPr rtlCol="0" anchor="ctr"/>
+          <a:lstStyle/>
+          <a:p>
+            <a:pPr algn="ctr"/>
+            <a:endParaRPr lang="ko-KR" altLang="en-US"/>
+          </a:p>
+        </p:txBody>
+      </p:sp>
+      <p:sp>
+        <p:nvSpPr>
+          <p:cNvPr id="32" name="타원 31">
+            <a:extLst>
+              <a:ext uri="{FF2B5EF4-FFF2-40B4-BE49-F238E27FC236}">
+                <a16:creationId xmlns:a16="http://schemas.microsoft.com/office/drawing/2014/main" id="{7E7E2825-DAB8-488D-9297-E7BE4207ECE3}"/>
+              </a:ext>
+            </a:extLst>
+          </p:cNvPr>
+          <p:cNvSpPr/>
+          <p:nvPr/>
+        </p:nvSpPr>
+        <p:spPr>
+          <a:xfrm>
+            <a:off x="5236129" y="4960748"/>
+            <a:ext cx="149546" cy="149546"/>
+          </a:xfrm>
+          <a:prstGeom prst="ellipse">
+            <a:avLst/>
+          </a:prstGeom>
+          <a:solidFill>
+            <a:srgbClr val="FF0000"/>
+          </a:solidFill>
+        </p:spPr>
+        <p:style>
+          <a:lnRef idx="2">
+            <a:schemeClr val="accent2"/>
+          </a:lnRef>
+          <a:fillRef idx="1">
+            <a:schemeClr val="lt1"/>
+          </a:fillRef>
+          <a:effectRef idx="0">
+            <a:schemeClr val="accent2"/>
+          </a:effectRef>
+          <a:fontRef idx="minor">
+            <a:schemeClr val="dk1"/>
+          </a:fontRef>
+        </p:style>
+        <p:txBody>
+          <a:bodyPr rtlCol="0" anchor="ctr"/>
+          <a:lstStyle/>
+          <a:p>
+            <a:pPr algn="ctr"/>
+            <a:endParaRPr lang="ko-KR" altLang="en-US"/>
+          </a:p>
+        </p:txBody>
+      </p:sp>
+      <p:sp>
+        <p:nvSpPr>
+          <p:cNvPr id="33" name="타원 32">
+            <a:extLst>
+              <a:ext uri="{FF2B5EF4-FFF2-40B4-BE49-F238E27FC236}">
+                <a16:creationId xmlns:a16="http://schemas.microsoft.com/office/drawing/2014/main" id="{4107D803-C37A-45A1-AA53-FC1D142491EC}"/>
+              </a:ext>
+            </a:extLst>
+          </p:cNvPr>
+          <p:cNvSpPr/>
+          <p:nvPr/>
+        </p:nvSpPr>
+        <p:spPr>
+          <a:xfrm>
+            <a:off x="7083105" y="6077882"/>
+            <a:ext cx="149546" cy="149546"/>
+          </a:xfrm>
+          <a:prstGeom prst="ellipse">
+            <a:avLst/>
+          </a:prstGeom>
+          <a:solidFill>
+            <a:srgbClr val="FF0000"/>
+          </a:solidFill>
+        </p:spPr>
+        <p:style>
+          <a:lnRef idx="2">
+            <a:schemeClr val="accent2"/>
+          </a:lnRef>
+          <a:fillRef idx="1">
+            <a:schemeClr val="lt1"/>
+          </a:fillRef>
+          <a:effectRef idx="0">
+            <a:schemeClr val="accent2"/>
+          </a:effectRef>
+          <a:fontRef idx="minor">
+            <a:schemeClr val="dk1"/>
+          </a:fontRef>
+        </p:style>
+        <p:txBody>
+          <a:bodyPr rtlCol="0" anchor="ctr"/>
+          <a:lstStyle/>
+          <a:p>
+            <a:pPr algn="ctr"/>
+            <a:endParaRPr lang="ko-KR" altLang="en-US"/>
+          </a:p>
+        </p:txBody>
+      </p:sp>
+      <p:sp>
+        <p:nvSpPr>
+          <p:cNvPr id="34" name="타원 33">
+            <a:extLst>
+              <a:ext uri="{FF2B5EF4-FFF2-40B4-BE49-F238E27FC236}">
+                <a16:creationId xmlns:a16="http://schemas.microsoft.com/office/drawing/2014/main" id="{D0100B33-3E0F-4E23-995C-9ADD4CBB9656}"/>
+              </a:ext>
+            </a:extLst>
+          </p:cNvPr>
+          <p:cNvSpPr/>
+          <p:nvPr/>
+        </p:nvSpPr>
+        <p:spPr>
+          <a:xfrm>
+            <a:off x="4886588" y="6658121"/>
+            <a:ext cx="149546" cy="149546"/>
+          </a:xfrm>
+          <a:prstGeom prst="ellipse">
+            <a:avLst/>
+          </a:prstGeom>
+          <a:solidFill>
+            <a:srgbClr val="FF0000"/>
+          </a:solidFill>
+        </p:spPr>
+        <p:style>
+          <a:lnRef idx="2">
+            <a:schemeClr val="accent2"/>
+          </a:lnRef>
+          <a:fillRef idx="1">
+            <a:schemeClr val="lt1"/>
+          </a:fillRef>
+          <a:effectRef idx="0">
+            <a:schemeClr val="accent2"/>
+          </a:effectRef>
+          <a:fontRef idx="minor">
+            <a:schemeClr val="dk1"/>
+          </a:fontRef>
+        </p:style>
+        <p:txBody>
+          <a:bodyPr rtlCol="0" anchor="ctr"/>
+          <a:lstStyle/>
+          <a:p>
+            <a:pPr algn="ctr"/>
+            <a:endParaRPr lang="ko-KR" altLang="en-US"/>
+          </a:p>
+        </p:txBody>
+      </p:sp>
+      <p:sp>
+        <p:nvSpPr>
+          <p:cNvPr id="35" name="타원 34">
+            <a:extLst>
+              <a:ext uri="{FF2B5EF4-FFF2-40B4-BE49-F238E27FC236}">
+                <a16:creationId xmlns:a16="http://schemas.microsoft.com/office/drawing/2014/main" id="{5D5A060B-F9B3-47D0-B0B5-015FC58E368D}"/>
+              </a:ext>
+            </a:extLst>
+          </p:cNvPr>
+          <p:cNvSpPr/>
+          <p:nvPr/>
+        </p:nvSpPr>
+        <p:spPr>
+          <a:xfrm>
+            <a:off x="7761945" y="3130492"/>
+            <a:ext cx="149546" cy="149546"/>
           </a:xfrm>
           <a:prstGeom prst="ellipse">
             <a:avLst/>
